--- a/Day 1/04 - Python and tools/Introduction Python and Scikit-learn.pptx
+++ b/Day 1/04 - Python and tools/Introduction Python and Scikit-learn.pptx
@@ -61,18 +61,11 @@
   <p:notesSz cx="6858000" cy="9144000"/>
   <p:embeddedFontLst>
     <p:embeddedFont>
-      <p:font typeface="Calibri" panose="020F0502020204030204" pitchFamily="34" charset="0"/>
+      <p:font typeface="Consolas" panose="020B0609020204030204" pitchFamily="49" charset="0"/>
       <p:regular r:id="rId51"/>
       <p:bold r:id="rId52"/>
       <p:italic r:id="rId53"/>
       <p:boldItalic r:id="rId54"/>
-    </p:embeddedFont>
-    <p:embeddedFont>
-      <p:font typeface="Consolas" panose="020B0609020204030204" pitchFamily="49" charset="0"/>
-      <p:regular r:id="rId55"/>
-      <p:bold r:id="rId56"/>
-      <p:italic r:id="rId57"/>
-      <p:boldItalic r:id="rId58"/>
     </p:embeddedFont>
   </p:embeddedFontLst>
   <p:defaultTextStyle>
@@ -3488,7 +3481,7 @@
           <a:lstStyle/>
           <a:p>
             <a:fld id="{383FCE59-ED68-1145-BEA5-66C22E95295E}" type="datetimeFigureOut">
-              <a:t>02.09.23</a:t>
+              <a:t>01.09.2024</a:t>
             </a:fld>
             <a:endParaRPr lang="en-CH"/>
           </a:p>
@@ -3697,7 +3690,7 @@
           <a:lstStyle/>
           <a:p>
             <a:fld id="{383FCE59-ED68-1145-BEA5-66C22E95295E}" type="datetimeFigureOut">
-              <a:t>02.09.23</a:t>
+              <a:t>01.09.2024</a:t>
             </a:fld>
             <a:endParaRPr lang="en-CH"/>
           </a:p>
@@ -3916,7 +3909,7 @@
           <a:lstStyle/>
           <a:p>
             <a:fld id="{383FCE59-ED68-1145-BEA5-66C22E95295E}" type="datetimeFigureOut">
-              <a:t>02.09.23</a:t>
+              <a:t>01.09.2024</a:t>
             </a:fld>
             <a:endParaRPr lang="en-CH"/>
           </a:p>
@@ -4125,7 +4118,7 @@
           <a:lstStyle/>
           <a:p>
             <a:fld id="{383FCE59-ED68-1145-BEA5-66C22E95295E}" type="datetimeFigureOut">
-              <a:t>02.09.23</a:t>
+              <a:t>01.09.2024</a:t>
             </a:fld>
             <a:endParaRPr lang="en-CH"/>
           </a:p>
@@ -4410,7 +4403,7 @@
           <a:lstStyle/>
           <a:p>
             <a:fld id="{383FCE59-ED68-1145-BEA5-66C22E95295E}" type="datetimeFigureOut">
-              <a:t>02.09.23</a:t>
+              <a:t>01.09.2024</a:t>
             </a:fld>
             <a:endParaRPr lang="en-CH"/>
           </a:p>
@@ -4687,7 +4680,7 @@
           <a:lstStyle/>
           <a:p>
             <a:fld id="{383FCE59-ED68-1145-BEA5-66C22E95295E}" type="datetimeFigureOut">
-              <a:t>02.09.23</a:t>
+              <a:t>01.09.2024</a:t>
             </a:fld>
             <a:endParaRPr lang="en-CH"/>
           </a:p>
@@ -5111,7 +5104,7 @@
           <a:lstStyle/>
           <a:p>
             <a:fld id="{383FCE59-ED68-1145-BEA5-66C22E95295E}" type="datetimeFigureOut">
-              <a:t>02.09.23</a:t>
+              <a:t>01.09.2024</a:t>
             </a:fld>
             <a:endParaRPr lang="en-CH"/>
           </a:p>
@@ -5262,7 +5255,7 @@
           <a:lstStyle/>
           <a:p>
             <a:fld id="{383FCE59-ED68-1145-BEA5-66C22E95295E}" type="datetimeFigureOut">
-              <a:t>02.09.23</a:t>
+              <a:t>01.09.2024</a:t>
             </a:fld>
             <a:endParaRPr lang="en-CH"/>
           </a:p>
@@ -5384,7 +5377,7 @@
           <a:lstStyle/>
           <a:p>
             <a:fld id="{383FCE59-ED68-1145-BEA5-66C22E95295E}" type="datetimeFigureOut">
-              <a:t>02.09.23</a:t>
+              <a:t>01.09.2024</a:t>
             </a:fld>
             <a:endParaRPr lang="en-CH"/>
           </a:p>
@@ -5706,7 +5699,7 @@
           <a:lstStyle/>
           <a:p>
             <a:fld id="{383FCE59-ED68-1145-BEA5-66C22E95295E}" type="datetimeFigureOut">
-              <a:t>02.09.23</a:t>
+              <a:t>01.09.2024</a:t>
             </a:fld>
             <a:endParaRPr lang="en-CH"/>
           </a:p>
@@ -6004,7 +5997,7 @@
           <a:lstStyle/>
           <a:p>
             <a:fld id="{383FCE59-ED68-1145-BEA5-66C22E95295E}" type="datetimeFigureOut">
-              <a:t>02.09.23</a:t>
+              <a:t>01.09.2024</a:t>
             </a:fld>
             <a:endParaRPr lang="en-CH"/>
           </a:p>
@@ -6259,7 +6252,7 @@
             <a:fld id="{383FCE59-ED68-1145-BEA5-66C22E95295E}" type="datetimeFigureOut">
               <a:rPr lang="en-CH"/>
               <a:pPr/>
-              <a:t>02.09.23</a:t>
+              <a:t>01.09.2024</a:t>
             </a:fld>
             <a:endParaRPr lang="en-CH"/>
           </a:p>
@@ -6891,6 +6884,94 @@
           </a:p>
         </p:txBody>
       </p:sp>
+      <p:sp>
+        <p:nvSpPr>
+          <p:cNvPr id="3" name="TextBox 2">
+            <a:extLst>
+              <a:ext uri="{FF2B5EF4-FFF2-40B4-BE49-F238E27FC236}">
+                <a16:creationId xmlns:a16="http://schemas.microsoft.com/office/drawing/2014/main" id="{944CDE94-4B53-7696-8A4D-4E244A0110FF}"/>
+              </a:ext>
+            </a:extLst>
+          </p:cNvPr>
+          <p:cNvSpPr txBox="1"/>
+          <p:nvPr/>
+        </p:nvSpPr>
+        <p:spPr>
+          <a:xfrm>
+            <a:off x="157942" y="4881890"/>
+            <a:ext cx="8695112" cy="261610"/>
+          </a:xfrm>
+          <a:prstGeom prst="rect">
+            <a:avLst/>
+          </a:prstGeom>
+          <a:noFill/>
+        </p:spPr>
+        <p:txBody>
+          <a:bodyPr wrap="square">
+            <a:spAutoFit/>
+          </a:bodyPr>
+          <a:lstStyle/>
+          <a:p>
+            <a:pPr algn="ctr">
+              <a:spcBef>
+                <a:spcPts val="0"/>
+              </a:spcBef>
+            </a:pPr>
+            <a:r>
+              <a:rPr lang="en-GB" sz="1100" dirty="0">
+                <a:solidFill>
+                  <a:schemeClr val="bg2">
+                    <a:lumMod val="75000"/>
+                  </a:schemeClr>
+                </a:solidFill>
+                <a:latin typeface="Arial" panose="020B0604020202020204" pitchFamily="34" charset="0"/>
+              </a:rPr>
+              <a:t>© </a:t>
+            </a:r>
+            <a:r>
+              <a:rPr lang="en-GB" sz="1100" dirty="0" err="1">
+                <a:solidFill>
+                  <a:schemeClr val="bg2">
+                    <a:lumMod val="75000"/>
+                  </a:schemeClr>
+                </a:solidFill>
+                <a:latin typeface="Arial" panose="020B0604020202020204" pitchFamily="34" charset="0"/>
+              </a:rPr>
+              <a:t>Dr.</a:t>
+            </a:r>
+            <a:r>
+              <a:rPr lang="en-GB" sz="1100" dirty="0">
+                <a:solidFill>
+                  <a:schemeClr val="bg2">
+                    <a:lumMod val="75000"/>
+                  </a:schemeClr>
+                </a:solidFill>
+                <a:latin typeface="Arial" panose="020B0604020202020204" pitchFamily="34" charset="0"/>
+              </a:rPr>
+              <a:t> U. Michelucci – </a:t>
+            </a:r>
+            <a:r>
+              <a:rPr lang="en-GB" sz="1100" dirty="0" err="1">
+                <a:solidFill>
+                  <a:schemeClr val="bg2">
+                    <a:lumMod val="75000"/>
+                  </a:schemeClr>
+                </a:solidFill>
+                <a:latin typeface="Arial" panose="020B0604020202020204" pitchFamily="34" charset="0"/>
+              </a:rPr>
+              <a:t>umberto.Michelucci@hslu.ch</a:t>
+            </a:r>
+            <a:endParaRPr lang="en-GB" sz="1100" dirty="0">
+              <a:solidFill>
+                <a:schemeClr val="bg2">
+                  <a:lumMod val="75000"/>
+                </a:schemeClr>
+              </a:solidFill>
+              <a:latin typeface="Arial" panose="020B0604020202020204" pitchFamily="34" charset="0"/>
+            </a:endParaRPr>
+          </a:p>
+        </p:txBody>
+      </p:sp>
     </p:spTree>
   </p:cSld>
   <p:clrMapOvr>
@@ -6957,34 +7038,6 @@
       </p:sp>
       <p:sp>
         <p:nvSpPr>
-          <p:cNvPr id="2" name="Segnaposto piè di pagina 1">
-            <a:extLst>
-              <a:ext uri="{FF2B5EF4-FFF2-40B4-BE49-F238E27FC236}">
-                <a16:creationId xmlns:a16="http://schemas.microsoft.com/office/drawing/2014/main" id="{46B623E6-57C9-4216-A211-F0D803268716}"/>
-              </a:ext>
-            </a:extLst>
-          </p:cNvPr>
-          <p:cNvSpPr>
-            <a:spLocks noGrp="1"/>
-          </p:cNvSpPr>
-          <p:nvPr>
-            <p:ph type="ftr" sz="quarter" idx="11"/>
-          </p:nvPr>
-        </p:nvSpPr>
-        <p:spPr/>
-        <p:txBody>
-          <a:bodyPr/>
-          <a:lstStyle/>
-          <a:p>
-            <a:r>
-              <a:rPr lang="en-US"/>
-              <a:t>M. Sperti</a:t>
-            </a:r>
-          </a:p>
-        </p:txBody>
-      </p:sp>
-      <p:sp>
-        <p:nvSpPr>
           <p:cNvPr id="3" name="Segnaposto numero diapositiva 2">
             <a:extLst>
               <a:ext uri="{FF2B5EF4-FFF2-40B4-BE49-F238E27FC236}">
@@ -7169,6 +7222,94 @@
               </a:rPr>
               <a:t> section) and provide lots of figures to prove your findings</a:t>
             </a:r>
+          </a:p>
+        </p:txBody>
+      </p:sp>
+      <p:sp>
+        <p:nvSpPr>
+          <p:cNvPr id="5" name="TextBox 4">
+            <a:extLst>
+              <a:ext uri="{FF2B5EF4-FFF2-40B4-BE49-F238E27FC236}">
+                <a16:creationId xmlns:a16="http://schemas.microsoft.com/office/drawing/2014/main" id="{03658BCE-C9BD-D26D-5EB3-CA87EC59A225}"/>
+              </a:ext>
+            </a:extLst>
+          </p:cNvPr>
+          <p:cNvSpPr txBox="1"/>
+          <p:nvPr/>
+        </p:nvSpPr>
+        <p:spPr>
+          <a:xfrm>
+            <a:off x="157942" y="4881890"/>
+            <a:ext cx="8695112" cy="261610"/>
+          </a:xfrm>
+          <a:prstGeom prst="rect">
+            <a:avLst/>
+          </a:prstGeom>
+          <a:noFill/>
+        </p:spPr>
+        <p:txBody>
+          <a:bodyPr wrap="square">
+            <a:spAutoFit/>
+          </a:bodyPr>
+          <a:lstStyle/>
+          <a:p>
+            <a:pPr algn="ctr">
+              <a:spcBef>
+                <a:spcPts val="0"/>
+              </a:spcBef>
+            </a:pPr>
+            <a:r>
+              <a:rPr lang="en-GB" sz="1100" dirty="0">
+                <a:solidFill>
+                  <a:schemeClr val="bg2">
+                    <a:lumMod val="75000"/>
+                  </a:schemeClr>
+                </a:solidFill>
+                <a:latin typeface="Arial" panose="020B0604020202020204" pitchFamily="34" charset="0"/>
+              </a:rPr>
+              <a:t>© </a:t>
+            </a:r>
+            <a:r>
+              <a:rPr lang="en-GB" sz="1100" dirty="0" err="1">
+                <a:solidFill>
+                  <a:schemeClr val="bg2">
+                    <a:lumMod val="75000"/>
+                  </a:schemeClr>
+                </a:solidFill>
+                <a:latin typeface="Arial" panose="020B0604020202020204" pitchFamily="34" charset="0"/>
+              </a:rPr>
+              <a:t>Dr.</a:t>
+            </a:r>
+            <a:r>
+              <a:rPr lang="en-GB" sz="1100" dirty="0">
+                <a:solidFill>
+                  <a:schemeClr val="bg2">
+                    <a:lumMod val="75000"/>
+                  </a:schemeClr>
+                </a:solidFill>
+                <a:latin typeface="Arial" panose="020B0604020202020204" pitchFamily="34" charset="0"/>
+              </a:rPr>
+              <a:t> U. Michelucci – </a:t>
+            </a:r>
+            <a:r>
+              <a:rPr lang="en-GB" sz="1100" dirty="0" err="1">
+                <a:solidFill>
+                  <a:schemeClr val="bg2">
+                    <a:lumMod val="75000"/>
+                  </a:schemeClr>
+                </a:solidFill>
+                <a:latin typeface="Arial" panose="020B0604020202020204" pitchFamily="34" charset="0"/>
+              </a:rPr>
+              <a:t>umberto.Michelucci@hslu.ch</a:t>
+            </a:r>
+            <a:endParaRPr lang="en-GB" sz="1100" dirty="0">
+              <a:solidFill>
+                <a:schemeClr val="bg2">
+                  <a:lumMod val="75000"/>
+                </a:schemeClr>
+              </a:solidFill>
+              <a:latin typeface="Arial" panose="020B0604020202020204" pitchFamily="34" charset="0"/>
+            </a:endParaRPr>
           </a:p>
         </p:txBody>
       </p:sp>
@@ -8465,6 +8606,94 @@
               </a:rPr>
               <a:t>My Laptop</a:t>
             </a:r>
+          </a:p>
+        </p:txBody>
+      </p:sp>
+      <p:sp>
+        <p:nvSpPr>
+          <p:cNvPr id="3" name="TextBox 2">
+            <a:extLst>
+              <a:ext uri="{FF2B5EF4-FFF2-40B4-BE49-F238E27FC236}">
+                <a16:creationId xmlns:a16="http://schemas.microsoft.com/office/drawing/2014/main" id="{239D612A-5217-8F6D-C114-145C5A0482B7}"/>
+              </a:ext>
+            </a:extLst>
+          </p:cNvPr>
+          <p:cNvSpPr txBox="1"/>
+          <p:nvPr/>
+        </p:nvSpPr>
+        <p:spPr>
+          <a:xfrm>
+            <a:off x="157942" y="4881890"/>
+            <a:ext cx="8695112" cy="261610"/>
+          </a:xfrm>
+          <a:prstGeom prst="rect">
+            <a:avLst/>
+          </a:prstGeom>
+          <a:noFill/>
+        </p:spPr>
+        <p:txBody>
+          <a:bodyPr wrap="square">
+            <a:spAutoFit/>
+          </a:bodyPr>
+          <a:lstStyle/>
+          <a:p>
+            <a:pPr algn="ctr">
+              <a:spcBef>
+                <a:spcPts val="0"/>
+              </a:spcBef>
+            </a:pPr>
+            <a:r>
+              <a:rPr lang="en-GB" sz="1100" dirty="0">
+                <a:solidFill>
+                  <a:schemeClr val="bg2">
+                    <a:lumMod val="75000"/>
+                  </a:schemeClr>
+                </a:solidFill>
+                <a:latin typeface="Arial" panose="020B0604020202020204" pitchFamily="34" charset="0"/>
+              </a:rPr>
+              <a:t>© </a:t>
+            </a:r>
+            <a:r>
+              <a:rPr lang="en-GB" sz="1100" dirty="0" err="1">
+                <a:solidFill>
+                  <a:schemeClr val="bg2">
+                    <a:lumMod val="75000"/>
+                  </a:schemeClr>
+                </a:solidFill>
+                <a:latin typeface="Arial" panose="020B0604020202020204" pitchFamily="34" charset="0"/>
+              </a:rPr>
+              <a:t>Dr.</a:t>
+            </a:r>
+            <a:r>
+              <a:rPr lang="en-GB" sz="1100" dirty="0">
+                <a:solidFill>
+                  <a:schemeClr val="bg2">
+                    <a:lumMod val="75000"/>
+                  </a:schemeClr>
+                </a:solidFill>
+                <a:latin typeface="Arial" panose="020B0604020202020204" pitchFamily="34" charset="0"/>
+              </a:rPr>
+              <a:t> U. Michelucci – </a:t>
+            </a:r>
+            <a:r>
+              <a:rPr lang="en-GB" sz="1100" dirty="0" err="1">
+                <a:solidFill>
+                  <a:schemeClr val="bg2">
+                    <a:lumMod val="75000"/>
+                  </a:schemeClr>
+                </a:solidFill>
+                <a:latin typeface="Arial" panose="020B0604020202020204" pitchFamily="34" charset="0"/>
+              </a:rPr>
+              <a:t>umberto.Michelucci@hslu.ch</a:t>
+            </a:r>
+            <a:endParaRPr lang="en-GB" sz="1100" dirty="0">
+              <a:solidFill>
+                <a:schemeClr val="bg2">
+                  <a:lumMod val="75000"/>
+                </a:schemeClr>
+              </a:solidFill>
+              <a:latin typeface="Arial" panose="020B0604020202020204" pitchFamily="34" charset="0"/>
+            </a:endParaRPr>
           </a:p>
         </p:txBody>
       </p:sp>
@@ -9365,34 +9594,6 @@
       </p:pic>
       <p:sp>
         <p:nvSpPr>
-          <p:cNvPr id="2" name="Segnaposto piè di pagina 1">
-            <a:extLst>
-              <a:ext uri="{FF2B5EF4-FFF2-40B4-BE49-F238E27FC236}">
-                <a16:creationId xmlns:a16="http://schemas.microsoft.com/office/drawing/2014/main" id="{9791E94C-E1C9-481B-A31A-3C322F06AA12}"/>
-              </a:ext>
-            </a:extLst>
-          </p:cNvPr>
-          <p:cNvSpPr>
-            <a:spLocks noGrp="1"/>
-          </p:cNvSpPr>
-          <p:nvPr>
-            <p:ph type="ftr" sz="quarter" idx="11"/>
-          </p:nvPr>
-        </p:nvSpPr>
-        <p:spPr/>
-        <p:txBody>
-          <a:bodyPr/>
-          <a:lstStyle/>
-          <a:p>
-            <a:r>
-              <a:rPr lang="en-US" dirty="0"/>
-              <a:t>M. Sperti</a:t>
-            </a:r>
-          </a:p>
-        </p:txBody>
-      </p:sp>
-      <p:sp>
-        <p:nvSpPr>
           <p:cNvPr id="3" name="Segnaposto numero diapositiva 2">
             <a:extLst>
               <a:ext uri="{FF2B5EF4-FFF2-40B4-BE49-F238E27FC236}">
@@ -9625,6 +9826,94 @@
               </a:rPr>
               <a:t>  </a:t>
             </a:r>
+          </a:p>
+        </p:txBody>
+      </p:sp>
+      <p:sp>
+        <p:nvSpPr>
+          <p:cNvPr id="5" name="TextBox 4">
+            <a:extLst>
+              <a:ext uri="{FF2B5EF4-FFF2-40B4-BE49-F238E27FC236}">
+                <a16:creationId xmlns:a16="http://schemas.microsoft.com/office/drawing/2014/main" id="{9E259D4E-480A-3546-7ACF-C88B47C9750F}"/>
+              </a:ext>
+            </a:extLst>
+          </p:cNvPr>
+          <p:cNvSpPr txBox="1"/>
+          <p:nvPr/>
+        </p:nvSpPr>
+        <p:spPr>
+          <a:xfrm>
+            <a:off x="157942" y="4881890"/>
+            <a:ext cx="8695112" cy="261610"/>
+          </a:xfrm>
+          <a:prstGeom prst="rect">
+            <a:avLst/>
+          </a:prstGeom>
+          <a:noFill/>
+        </p:spPr>
+        <p:txBody>
+          <a:bodyPr wrap="square">
+            <a:spAutoFit/>
+          </a:bodyPr>
+          <a:lstStyle/>
+          <a:p>
+            <a:pPr algn="ctr">
+              <a:spcBef>
+                <a:spcPts val="0"/>
+              </a:spcBef>
+            </a:pPr>
+            <a:r>
+              <a:rPr lang="en-GB" sz="1100" dirty="0">
+                <a:solidFill>
+                  <a:schemeClr val="bg2">
+                    <a:lumMod val="75000"/>
+                  </a:schemeClr>
+                </a:solidFill>
+                <a:latin typeface="Arial" panose="020B0604020202020204" pitchFamily="34" charset="0"/>
+              </a:rPr>
+              <a:t>© </a:t>
+            </a:r>
+            <a:r>
+              <a:rPr lang="en-GB" sz="1100" dirty="0" err="1">
+                <a:solidFill>
+                  <a:schemeClr val="bg2">
+                    <a:lumMod val="75000"/>
+                  </a:schemeClr>
+                </a:solidFill>
+                <a:latin typeface="Arial" panose="020B0604020202020204" pitchFamily="34" charset="0"/>
+              </a:rPr>
+              <a:t>Dr.</a:t>
+            </a:r>
+            <a:r>
+              <a:rPr lang="en-GB" sz="1100" dirty="0">
+                <a:solidFill>
+                  <a:schemeClr val="bg2">
+                    <a:lumMod val="75000"/>
+                  </a:schemeClr>
+                </a:solidFill>
+                <a:latin typeface="Arial" panose="020B0604020202020204" pitchFamily="34" charset="0"/>
+              </a:rPr>
+              <a:t> U. Michelucci – </a:t>
+            </a:r>
+            <a:r>
+              <a:rPr lang="en-GB" sz="1100" dirty="0" err="1">
+                <a:solidFill>
+                  <a:schemeClr val="bg2">
+                    <a:lumMod val="75000"/>
+                  </a:schemeClr>
+                </a:solidFill>
+                <a:latin typeface="Arial" panose="020B0604020202020204" pitchFamily="34" charset="0"/>
+              </a:rPr>
+              <a:t>umberto.Michelucci@hslu.ch</a:t>
+            </a:r>
+            <a:endParaRPr lang="en-GB" sz="1100" dirty="0">
+              <a:solidFill>
+                <a:schemeClr val="bg2">
+                  <a:lumMod val="75000"/>
+                </a:schemeClr>
+              </a:solidFill>
+              <a:latin typeface="Arial" panose="020B0604020202020204" pitchFamily="34" charset="0"/>
+            </a:endParaRPr>
           </a:p>
         </p:txBody>
       </p:sp>
@@ -9746,34 +10035,6 @@
       </p:pic>
       <p:sp>
         <p:nvSpPr>
-          <p:cNvPr id="2" name="Segnaposto piè di pagina 1">
-            <a:extLst>
-              <a:ext uri="{FF2B5EF4-FFF2-40B4-BE49-F238E27FC236}">
-                <a16:creationId xmlns:a16="http://schemas.microsoft.com/office/drawing/2014/main" id="{9791E94C-E1C9-481B-A31A-3C322F06AA12}"/>
-              </a:ext>
-            </a:extLst>
-          </p:cNvPr>
-          <p:cNvSpPr>
-            <a:spLocks noGrp="1"/>
-          </p:cNvSpPr>
-          <p:nvPr>
-            <p:ph type="ftr" sz="quarter" idx="11"/>
-          </p:nvPr>
-        </p:nvSpPr>
-        <p:spPr/>
-        <p:txBody>
-          <a:bodyPr/>
-          <a:lstStyle/>
-          <a:p>
-            <a:r>
-              <a:rPr lang="en-US"/>
-              <a:t>M. Sperti</a:t>
-            </a:r>
-          </a:p>
-        </p:txBody>
-      </p:sp>
-      <p:sp>
-        <p:nvSpPr>
           <p:cNvPr id="4" name="CasellaDiTesto 3">
             <a:extLst>
               <a:ext uri="{FF2B5EF4-FFF2-40B4-BE49-F238E27FC236}">
@@ -10058,6 +10319,94 @@
               </a:rPr>
               <a:t> </a:t>
             </a:r>
+          </a:p>
+        </p:txBody>
+      </p:sp>
+      <p:sp>
+        <p:nvSpPr>
+          <p:cNvPr id="3" name="TextBox 2">
+            <a:extLst>
+              <a:ext uri="{FF2B5EF4-FFF2-40B4-BE49-F238E27FC236}">
+                <a16:creationId xmlns:a16="http://schemas.microsoft.com/office/drawing/2014/main" id="{AE6ED85E-FD2C-3AFC-EAC8-2F9915062DEC}"/>
+              </a:ext>
+            </a:extLst>
+          </p:cNvPr>
+          <p:cNvSpPr txBox="1"/>
+          <p:nvPr/>
+        </p:nvSpPr>
+        <p:spPr>
+          <a:xfrm>
+            <a:off x="157942" y="4881890"/>
+            <a:ext cx="8695112" cy="261610"/>
+          </a:xfrm>
+          <a:prstGeom prst="rect">
+            <a:avLst/>
+          </a:prstGeom>
+          <a:noFill/>
+        </p:spPr>
+        <p:txBody>
+          <a:bodyPr wrap="square">
+            <a:spAutoFit/>
+          </a:bodyPr>
+          <a:lstStyle/>
+          <a:p>
+            <a:pPr algn="ctr">
+              <a:spcBef>
+                <a:spcPts val="0"/>
+              </a:spcBef>
+            </a:pPr>
+            <a:r>
+              <a:rPr lang="en-GB" sz="1100" dirty="0">
+                <a:solidFill>
+                  <a:schemeClr val="bg2">
+                    <a:lumMod val="75000"/>
+                  </a:schemeClr>
+                </a:solidFill>
+                <a:latin typeface="Arial" panose="020B0604020202020204" pitchFamily="34" charset="0"/>
+              </a:rPr>
+              <a:t>© </a:t>
+            </a:r>
+            <a:r>
+              <a:rPr lang="en-GB" sz="1100" dirty="0" err="1">
+                <a:solidFill>
+                  <a:schemeClr val="bg2">
+                    <a:lumMod val="75000"/>
+                  </a:schemeClr>
+                </a:solidFill>
+                <a:latin typeface="Arial" panose="020B0604020202020204" pitchFamily="34" charset="0"/>
+              </a:rPr>
+              <a:t>Dr.</a:t>
+            </a:r>
+            <a:r>
+              <a:rPr lang="en-GB" sz="1100" dirty="0">
+                <a:solidFill>
+                  <a:schemeClr val="bg2">
+                    <a:lumMod val="75000"/>
+                  </a:schemeClr>
+                </a:solidFill>
+                <a:latin typeface="Arial" panose="020B0604020202020204" pitchFamily="34" charset="0"/>
+              </a:rPr>
+              <a:t> U. Michelucci – </a:t>
+            </a:r>
+            <a:r>
+              <a:rPr lang="en-GB" sz="1100" dirty="0" err="1">
+                <a:solidFill>
+                  <a:schemeClr val="bg2">
+                    <a:lumMod val="75000"/>
+                  </a:schemeClr>
+                </a:solidFill>
+                <a:latin typeface="Arial" panose="020B0604020202020204" pitchFamily="34" charset="0"/>
+              </a:rPr>
+              <a:t>umberto.Michelucci@hslu.ch</a:t>
+            </a:r>
+            <a:endParaRPr lang="en-GB" sz="1100" dirty="0">
+              <a:solidFill>
+                <a:schemeClr val="bg2">
+                  <a:lumMod val="75000"/>
+                </a:schemeClr>
+              </a:solidFill>
+              <a:latin typeface="Arial" panose="020B0604020202020204" pitchFamily="34" charset="0"/>
+            </a:endParaRPr>
           </a:p>
         </p:txBody>
       </p:sp>
@@ -10091,34 +10440,6 @@
           <a:chExt cx="0" cy="0"/>
         </a:xfrm>
       </p:grpSpPr>
-      <p:sp>
-        <p:nvSpPr>
-          <p:cNvPr id="2" name="Segnaposto piè di pagina 1">
-            <a:extLst>
-              <a:ext uri="{FF2B5EF4-FFF2-40B4-BE49-F238E27FC236}">
-                <a16:creationId xmlns:a16="http://schemas.microsoft.com/office/drawing/2014/main" id="{9791E94C-E1C9-481B-A31A-3C322F06AA12}"/>
-              </a:ext>
-            </a:extLst>
-          </p:cNvPr>
-          <p:cNvSpPr>
-            <a:spLocks noGrp="1"/>
-          </p:cNvSpPr>
-          <p:nvPr>
-            <p:ph type="ftr" sz="quarter" idx="11"/>
-          </p:nvPr>
-        </p:nvSpPr>
-        <p:spPr/>
-        <p:txBody>
-          <a:bodyPr/>
-          <a:lstStyle/>
-          <a:p>
-            <a:r>
-              <a:rPr lang="en-US"/>
-              <a:t>M. Sperti</a:t>
-            </a:r>
-          </a:p>
-        </p:txBody>
-      </p:sp>
       <p:sp>
         <p:nvSpPr>
           <p:cNvPr id="6" name="CasellaDiTesto 5">
@@ -10427,6 +10748,94 @@
           </p:txBody>
         </p:sp>
       </p:grpSp>
+      <p:sp>
+        <p:nvSpPr>
+          <p:cNvPr id="3" name="TextBox 2">
+            <a:extLst>
+              <a:ext uri="{FF2B5EF4-FFF2-40B4-BE49-F238E27FC236}">
+                <a16:creationId xmlns:a16="http://schemas.microsoft.com/office/drawing/2014/main" id="{7247B8BC-D1AC-EB02-DD03-0A09A8680D6A}"/>
+              </a:ext>
+            </a:extLst>
+          </p:cNvPr>
+          <p:cNvSpPr txBox="1"/>
+          <p:nvPr/>
+        </p:nvSpPr>
+        <p:spPr>
+          <a:xfrm>
+            <a:off x="157942" y="4881890"/>
+            <a:ext cx="8695112" cy="261610"/>
+          </a:xfrm>
+          <a:prstGeom prst="rect">
+            <a:avLst/>
+          </a:prstGeom>
+          <a:noFill/>
+        </p:spPr>
+        <p:txBody>
+          <a:bodyPr wrap="square">
+            <a:spAutoFit/>
+          </a:bodyPr>
+          <a:lstStyle/>
+          <a:p>
+            <a:pPr algn="ctr">
+              <a:spcBef>
+                <a:spcPts val="0"/>
+              </a:spcBef>
+            </a:pPr>
+            <a:r>
+              <a:rPr lang="en-GB" sz="1100" dirty="0">
+                <a:solidFill>
+                  <a:schemeClr val="bg2">
+                    <a:lumMod val="75000"/>
+                  </a:schemeClr>
+                </a:solidFill>
+                <a:latin typeface="Arial" panose="020B0604020202020204" pitchFamily="34" charset="0"/>
+              </a:rPr>
+              <a:t>© </a:t>
+            </a:r>
+            <a:r>
+              <a:rPr lang="en-GB" sz="1100" dirty="0" err="1">
+                <a:solidFill>
+                  <a:schemeClr val="bg2">
+                    <a:lumMod val="75000"/>
+                  </a:schemeClr>
+                </a:solidFill>
+                <a:latin typeface="Arial" panose="020B0604020202020204" pitchFamily="34" charset="0"/>
+              </a:rPr>
+              <a:t>Dr.</a:t>
+            </a:r>
+            <a:r>
+              <a:rPr lang="en-GB" sz="1100" dirty="0">
+                <a:solidFill>
+                  <a:schemeClr val="bg2">
+                    <a:lumMod val="75000"/>
+                  </a:schemeClr>
+                </a:solidFill>
+                <a:latin typeface="Arial" panose="020B0604020202020204" pitchFamily="34" charset="0"/>
+              </a:rPr>
+              <a:t> U. Michelucci – </a:t>
+            </a:r>
+            <a:r>
+              <a:rPr lang="en-GB" sz="1100" dirty="0" err="1">
+                <a:solidFill>
+                  <a:schemeClr val="bg2">
+                    <a:lumMod val="75000"/>
+                  </a:schemeClr>
+                </a:solidFill>
+                <a:latin typeface="Arial" panose="020B0604020202020204" pitchFamily="34" charset="0"/>
+              </a:rPr>
+              <a:t>umberto.Michelucci@hslu.ch</a:t>
+            </a:r>
+            <a:endParaRPr lang="en-GB" sz="1100" dirty="0">
+              <a:solidFill>
+                <a:schemeClr val="bg2">
+                  <a:lumMod val="75000"/>
+                </a:schemeClr>
+              </a:solidFill>
+              <a:latin typeface="Arial" panose="020B0604020202020204" pitchFamily="34" charset="0"/>
+            </a:endParaRPr>
+          </a:p>
+        </p:txBody>
+      </p:sp>
     </p:spTree>
     <p:extLst>
       <p:ext uri="{BB962C8B-B14F-4D97-AF65-F5344CB8AC3E}">
@@ -10457,34 +10866,6 @@
           <a:chExt cx="0" cy="0"/>
         </a:xfrm>
       </p:grpSpPr>
-      <p:sp>
-        <p:nvSpPr>
-          <p:cNvPr id="2" name="Segnaposto piè di pagina 1">
-            <a:extLst>
-              <a:ext uri="{FF2B5EF4-FFF2-40B4-BE49-F238E27FC236}">
-                <a16:creationId xmlns:a16="http://schemas.microsoft.com/office/drawing/2014/main" id="{9791E94C-E1C9-481B-A31A-3C322F06AA12}"/>
-              </a:ext>
-            </a:extLst>
-          </p:cNvPr>
-          <p:cNvSpPr>
-            <a:spLocks noGrp="1"/>
-          </p:cNvSpPr>
-          <p:nvPr>
-            <p:ph type="ftr" sz="quarter" idx="11"/>
-          </p:nvPr>
-        </p:nvSpPr>
-        <p:spPr/>
-        <p:txBody>
-          <a:bodyPr/>
-          <a:lstStyle/>
-          <a:p>
-            <a:r>
-              <a:rPr lang="en-US"/>
-              <a:t>M. Sperti</a:t>
-            </a:r>
-          </a:p>
-        </p:txBody>
-      </p:sp>
       <p:sp>
         <p:nvSpPr>
           <p:cNvPr id="6" name="CasellaDiTesto 5">
@@ -11053,6 +11434,94 @@
           </p:sp>
         </p:grpSp>
       </p:grpSp>
+      <p:sp>
+        <p:nvSpPr>
+          <p:cNvPr id="3" name="TextBox 2">
+            <a:extLst>
+              <a:ext uri="{FF2B5EF4-FFF2-40B4-BE49-F238E27FC236}">
+                <a16:creationId xmlns:a16="http://schemas.microsoft.com/office/drawing/2014/main" id="{7A127E14-8BE9-6A79-AE51-AB6EAEECD388}"/>
+              </a:ext>
+            </a:extLst>
+          </p:cNvPr>
+          <p:cNvSpPr txBox="1"/>
+          <p:nvPr/>
+        </p:nvSpPr>
+        <p:spPr>
+          <a:xfrm>
+            <a:off x="157942" y="4881890"/>
+            <a:ext cx="8695112" cy="261610"/>
+          </a:xfrm>
+          <a:prstGeom prst="rect">
+            <a:avLst/>
+          </a:prstGeom>
+          <a:noFill/>
+        </p:spPr>
+        <p:txBody>
+          <a:bodyPr wrap="square">
+            <a:spAutoFit/>
+          </a:bodyPr>
+          <a:lstStyle/>
+          <a:p>
+            <a:pPr algn="ctr">
+              <a:spcBef>
+                <a:spcPts val="0"/>
+              </a:spcBef>
+            </a:pPr>
+            <a:r>
+              <a:rPr lang="en-GB" sz="1100" dirty="0">
+                <a:solidFill>
+                  <a:schemeClr val="bg2">
+                    <a:lumMod val="75000"/>
+                  </a:schemeClr>
+                </a:solidFill>
+                <a:latin typeface="Arial" panose="020B0604020202020204" pitchFamily="34" charset="0"/>
+              </a:rPr>
+              <a:t>© </a:t>
+            </a:r>
+            <a:r>
+              <a:rPr lang="en-GB" sz="1100" dirty="0" err="1">
+                <a:solidFill>
+                  <a:schemeClr val="bg2">
+                    <a:lumMod val="75000"/>
+                  </a:schemeClr>
+                </a:solidFill>
+                <a:latin typeface="Arial" panose="020B0604020202020204" pitchFamily="34" charset="0"/>
+              </a:rPr>
+              <a:t>Dr.</a:t>
+            </a:r>
+            <a:r>
+              <a:rPr lang="en-GB" sz="1100" dirty="0">
+                <a:solidFill>
+                  <a:schemeClr val="bg2">
+                    <a:lumMod val="75000"/>
+                  </a:schemeClr>
+                </a:solidFill>
+                <a:latin typeface="Arial" panose="020B0604020202020204" pitchFamily="34" charset="0"/>
+              </a:rPr>
+              <a:t> U. Michelucci – </a:t>
+            </a:r>
+            <a:r>
+              <a:rPr lang="en-GB" sz="1100" dirty="0" err="1">
+                <a:solidFill>
+                  <a:schemeClr val="bg2">
+                    <a:lumMod val="75000"/>
+                  </a:schemeClr>
+                </a:solidFill>
+                <a:latin typeface="Arial" panose="020B0604020202020204" pitchFamily="34" charset="0"/>
+              </a:rPr>
+              <a:t>umberto.Michelucci@hslu.ch</a:t>
+            </a:r>
+            <a:endParaRPr lang="en-GB" sz="1100" dirty="0">
+              <a:solidFill>
+                <a:schemeClr val="bg2">
+                  <a:lumMod val="75000"/>
+                </a:schemeClr>
+              </a:solidFill>
+              <a:latin typeface="Arial" panose="020B0604020202020204" pitchFamily="34" charset="0"/>
+            </a:endParaRPr>
+          </a:p>
+        </p:txBody>
+      </p:sp>
     </p:spTree>
     <p:extLst>
       <p:ext uri="{BB962C8B-B14F-4D97-AF65-F5344CB8AC3E}">
@@ -11083,34 +11552,6 @@
           <a:chExt cx="0" cy="0"/>
         </a:xfrm>
       </p:grpSpPr>
-      <p:sp>
-        <p:nvSpPr>
-          <p:cNvPr id="2" name="Segnaposto piè di pagina 1">
-            <a:extLst>
-              <a:ext uri="{FF2B5EF4-FFF2-40B4-BE49-F238E27FC236}">
-                <a16:creationId xmlns:a16="http://schemas.microsoft.com/office/drawing/2014/main" id="{9791E94C-E1C9-481B-A31A-3C322F06AA12}"/>
-              </a:ext>
-            </a:extLst>
-          </p:cNvPr>
-          <p:cNvSpPr>
-            <a:spLocks noGrp="1"/>
-          </p:cNvSpPr>
-          <p:nvPr>
-            <p:ph type="ftr" sz="quarter" idx="11"/>
-          </p:nvPr>
-        </p:nvSpPr>
-        <p:spPr/>
-        <p:txBody>
-          <a:bodyPr/>
-          <a:lstStyle/>
-          <a:p>
-            <a:r>
-              <a:rPr lang="en-US"/>
-              <a:t>M. Sperti</a:t>
-            </a:r>
-          </a:p>
-        </p:txBody>
-      </p:sp>
       <p:sp>
         <p:nvSpPr>
           <p:cNvPr id="6" name="CasellaDiTesto 5">
@@ -11754,6 +12195,94 @@
           </a:p>
         </p:txBody>
       </p:sp>
+      <p:sp>
+        <p:nvSpPr>
+          <p:cNvPr id="3" name="TextBox 2">
+            <a:extLst>
+              <a:ext uri="{FF2B5EF4-FFF2-40B4-BE49-F238E27FC236}">
+                <a16:creationId xmlns:a16="http://schemas.microsoft.com/office/drawing/2014/main" id="{7A9E5287-CE31-13AE-1372-DFA167B81E6E}"/>
+              </a:ext>
+            </a:extLst>
+          </p:cNvPr>
+          <p:cNvSpPr txBox="1"/>
+          <p:nvPr/>
+        </p:nvSpPr>
+        <p:spPr>
+          <a:xfrm>
+            <a:off x="157942" y="4881890"/>
+            <a:ext cx="8695112" cy="261610"/>
+          </a:xfrm>
+          <a:prstGeom prst="rect">
+            <a:avLst/>
+          </a:prstGeom>
+          <a:noFill/>
+        </p:spPr>
+        <p:txBody>
+          <a:bodyPr wrap="square">
+            <a:spAutoFit/>
+          </a:bodyPr>
+          <a:lstStyle/>
+          <a:p>
+            <a:pPr algn="ctr">
+              <a:spcBef>
+                <a:spcPts val="0"/>
+              </a:spcBef>
+            </a:pPr>
+            <a:r>
+              <a:rPr lang="en-GB" sz="1100" dirty="0">
+                <a:solidFill>
+                  <a:schemeClr val="bg2">
+                    <a:lumMod val="75000"/>
+                  </a:schemeClr>
+                </a:solidFill>
+                <a:latin typeface="Arial" panose="020B0604020202020204" pitchFamily="34" charset="0"/>
+              </a:rPr>
+              <a:t>© </a:t>
+            </a:r>
+            <a:r>
+              <a:rPr lang="en-GB" sz="1100" dirty="0" err="1">
+                <a:solidFill>
+                  <a:schemeClr val="bg2">
+                    <a:lumMod val="75000"/>
+                  </a:schemeClr>
+                </a:solidFill>
+                <a:latin typeface="Arial" panose="020B0604020202020204" pitchFamily="34" charset="0"/>
+              </a:rPr>
+              <a:t>Dr.</a:t>
+            </a:r>
+            <a:r>
+              <a:rPr lang="en-GB" sz="1100" dirty="0">
+                <a:solidFill>
+                  <a:schemeClr val="bg2">
+                    <a:lumMod val="75000"/>
+                  </a:schemeClr>
+                </a:solidFill>
+                <a:latin typeface="Arial" panose="020B0604020202020204" pitchFamily="34" charset="0"/>
+              </a:rPr>
+              <a:t> U. Michelucci – </a:t>
+            </a:r>
+            <a:r>
+              <a:rPr lang="en-GB" sz="1100" dirty="0" err="1">
+                <a:solidFill>
+                  <a:schemeClr val="bg2">
+                    <a:lumMod val="75000"/>
+                  </a:schemeClr>
+                </a:solidFill>
+                <a:latin typeface="Arial" panose="020B0604020202020204" pitchFamily="34" charset="0"/>
+              </a:rPr>
+              <a:t>umberto.Michelucci@hslu.ch</a:t>
+            </a:r>
+            <a:endParaRPr lang="en-GB" sz="1100" dirty="0">
+              <a:solidFill>
+                <a:schemeClr val="bg2">
+                  <a:lumMod val="75000"/>
+                </a:schemeClr>
+              </a:solidFill>
+              <a:latin typeface="Arial" panose="020B0604020202020204" pitchFamily="34" charset="0"/>
+            </a:endParaRPr>
+          </a:p>
+        </p:txBody>
+      </p:sp>
     </p:spTree>
     <p:extLst>
       <p:ext uri="{BB962C8B-B14F-4D97-AF65-F5344CB8AC3E}">
@@ -11872,34 +12401,6 @@
       </p:pic>
       <p:sp>
         <p:nvSpPr>
-          <p:cNvPr id="3" name="Segnaposto piè di pagina 2">
-            <a:extLst>
-              <a:ext uri="{FF2B5EF4-FFF2-40B4-BE49-F238E27FC236}">
-                <a16:creationId xmlns:a16="http://schemas.microsoft.com/office/drawing/2014/main" id="{73877A18-8AD4-4D17-9B11-1662F721DC77}"/>
-              </a:ext>
-            </a:extLst>
-          </p:cNvPr>
-          <p:cNvSpPr>
-            <a:spLocks noGrp="1"/>
-          </p:cNvSpPr>
-          <p:nvPr>
-            <p:ph type="ftr" sz="quarter" idx="11"/>
-          </p:nvPr>
-        </p:nvSpPr>
-        <p:spPr/>
-        <p:txBody>
-          <a:bodyPr/>
-          <a:lstStyle/>
-          <a:p>
-            <a:r>
-              <a:rPr lang="en-US"/>
-              <a:t>M. Sperti</a:t>
-            </a:r>
-          </a:p>
-        </p:txBody>
-      </p:sp>
-      <p:sp>
-        <p:nvSpPr>
           <p:cNvPr id="7" name="CasellaDiTesto 6">
             <a:extLst>
               <a:ext uri="{FF2B5EF4-FFF2-40B4-BE49-F238E27FC236}">
@@ -12208,6 +12709,94 @@
               </a:rPr>
               <a:t> Notebook application</a:t>
             </a:r>
+          </a:p>
+        </p:txBody>
+      </p:sp>
+      <p:sp>
+        <p:nvSpPr>
+          <p:cNvPr id="4" name="TextBox 3">
+            <a:extLst>
+              <a:ext uri="{FF2B5EF4-FFF2-40B4-BE49-F238E27FC236}">
+                <a16:creationId xmlns:a16="http://schemas.microsoft.com/office/drawing/2014/main" id="{006A4CCF-C5EE-8F37-7AD4-0FEB63B6638E}"/>
+              </a:ext>
+            </a:extLst>
+          </p:cNvPr>
+          <p:cNvSpPr txBox="1"/>
+          <p:nvPr/>
+        </p:nvSpPr>
+        <p:spPr>
+          <a:xfrm>
+            <a:off x="157942" y="4881890"/>
+            <a:ext cx="8695112" cy="261610"/>
+          </a:xfrm>
+          <a:prstGeom prst="rect">
+            <a:avLst/>
+          </a:prstGeom>
+          <a:noFill/>
+        </p:spPr>
+        <p:txBody>
+          <a:bodyPr wrap="square">
+            <a:spAutoFit/>
+          </a:bodyPr>
+          <a:lstStyle/>
+          <a:p>
+            <a:pPr algn="ctr">
+              <a:spcBef>
+                <a:spcPts val="0"/>
+              </a:spcBef>
+            </a:pPr>
+            <a:r>
+              <a:rPr lang="en-GB" sz="1100" dirty="0">
+                <a:solidFill>
+                  <a:schemeClr val="bg2">
+                    <a:lumMod val="75000"/>
+                  </a:schemeClr>
+                </a:solidFill>
+                <a:latin typeface="Arial" panose="020B0604020202020204" pitchFamily="34" charset="0"/>
+              </a:rPr>
+              <a:t>© </a:t>
+            </a:r>
+            <a:r>
+              <a:rPr lang="en-GB" sz="1100" dirty="0" err="1">
+                <a:solidFill>
+                  <a:schemeClr val="bg2">
+                    <a:lumMod val="75000"/>
+                  </a:schemeClr>
+                </a:solidFill>
+                <a:latin typeface="Arial" panose="020B0604020202020204" pitchFamily="34" charset="0"/>
+              </a:rPr>
+              <a:t>Dr.</a:t>
+            </a:r>
+            <a:r>
+              <a:rPr lang="en-GB" sz="1100" dirty="0">
+                <a:solidFill>
+                  <a:schemeClr val="bg2">
+                    <a:lumMod val="75000"/>
+                  </a:schemeClr>
+                </a:solidFill>
+                <a:latin typeface="Arial" panose="020B0604020202020204" pitchFamily="34" charset="0"/>
+              </a:rPr>
+              <a:t> U. Michelucci – </a:t>
+            </a:r>
+            <a:r>
+              <a:rPr lang="en-GB" sz="1100" dirty="0" err="1">
+                <a:solidFill>
+                  <a:schemeClr val="bg2">
+                    <a:lumMod val="75000"/>
+                  </a:schemeClr>
+                </a:solidFill>
+                <a:latin typeface="Arial" panose="020B0604020202020204" pitchFamily="34" charset="0"/>
+              </a:rPr>
+              <a:t>umberto.Michelucci@hslu.ch</a:t>
+            </a:r>
+            <a:endParaRPr lang="en-GB" sz="1100" dirty="0">
+              <a:solidFill>
+                <a:schemeClr val="bg2">
+                  <a:lumMod val="75000"/>
+                </a:schemeClr>
+              </a:solidFill>
+              <a:latin typeface="Arial" panose="020B0604020202020204" pitchFamily="34" charset="0"/>
+            </a:endParaRPr>
           </a:p>
         </p:txBody>
       </p:sp>
@@ -12329,34 +12918,6 @@
       </p:pic>
       <p:sp>
         <p:nvSpPr>
-          <p:cNvPr id="6" name="Segnaposto piè di pagina 5">
-            <a:extLst>
-              <a:ext uri="{FF2B5EF4-FFF2-40B4-BE49-F238E27FC236}">
-                <a16:creationId xmlns:a16="http://schemas.microsoft.com/office/drawing/2014/main" id="{77765E1B-5ECB-4C77-A892-AAE981EF6B94}"/>
-              </a:ext>
-            </a:extLst>
-          </p:cNvPr>
-          <p:cNvSpPr>
-            <a:spLocks noGrp="1"/>
-          </p:cNvSpPr>
-          <p:nvPr>
-            <p:ph type="ftr" sz="quarter" idx="11"/>
-          </p:nvPr>
-        </p:nvSpPr>
-        <p:spPr/>
-        <p:txBody>
-          <a:bodyPr/>
-          <a:lstStyle/>
-          <a:p>
-            <a:r>
-              <a:rPr lang="en-US"/>
-              <a:t>M. Sperti</a:t>
-            </a:r>
-          </a:p>
-        </p:txBody>
-      </p:sp>
-      <p:sp>
-        <p:nvSpPr>
           <p:cNvPr id="2" name="CasellaDiTesto 1">
             <a:extLst>
               <a:ext uri="{FF2B5EF4-FFF2-40B4-BE49-F238E27FC236}">
@@ -12528,6 +13089,94 @@
           </a:extLst>
         </p:spPr>
       </p:pic>
+      <p:sp>
+        <p:nvSpPr>
+          <p:cNvPr id="7" name="TextBox 6">
+            <a:extLst>
+              <a:ext uri="{FF2B5EF4-FFF2-40B4-BE49-F238E27FC236}">
+                <a16:creationId xmlns:a16="http://schemas.microsoft.com/office/drawing/2014/main" id="{7EF9CDCA-27BD-3C1C-E972-F0AF0C408018}"/>
+              </a:ext>
+            </a:extLst>
+          </p:cNvPr>
+          <p:cNvSpPr txBox="1"/>
+          <p:nvPr/>
+        </p:nvSpPr>
+        <p:spPr>
+          <a:xfrm>
+            <a:off x="157942" y="4881890"/>
+            <a:ext cx="8695112" cy="261610"/>
+          </a:xfrm>
+          <a:prstGeom prst="rect">
+            <a:avLst/>
+          </a:prstGeom>
+          <a:noFill/>
+        </p:spPr>
+        <p:txBody>
+          <a:bodyPr wrap="square">
+            <a:spAutoFit/>
+          </a:bodyPr>
+          <a:lstStyle/>
+          <a:p>
+            <a:pPr algn="ctr">
+              <a:spcBef>
+                <a:spcPts val="0"/>
+              </a:spcBef>
+            </a:pPr>
+            <a:r>
+              <a:rPr lang="en-GB" sz="1100" dirty="0">
+                <a:solidFill>
+                  <a:schemeClr val="bg2">
+                    <a:lumMod val="75000"/>
+                  </a:schemeClr>
+                </a:solidFill>
+                <a:latin typeface="Arial" panose="020B0604020202020204" pitchFamily="34" charset="0"/>
+              </a:rPr>
+              <a:t>© </a:t>
+            </a:r>
+            <a:r>
+              <a:rPr lang="en-GB" sz="1100" dirty="0" err="1">
+                <a:solidFill>
+                  <a:schemeClr val="bg2">
+                    <a:lumMod val="75000"/>
+                  </a:schemeClr>
+                </a:solidFill>
+                <a:latin typeface="Arial" panose="020B0604020202020204" pitchFamily="34" charset="0"/>
+              </a:rPr>
+              <a:t>Dr.</a:t>
+            </a:r>
+            <a:r>
+              <a:rPr lang="en-GB" sz="1100" dirty="0">
+                <a:solidFill>
+                  <a:schemeClr val="bg2">
+                    <a:lumMod val="75000"/>
+                  </a:schemeClr>
+                </a:solidFill>
+                <a:latin typeface="Arial" panose="020B0604020202020204" pitchFamily="34" charset="0"/>
+              </a:rPr>
+              <a:t> U. Michelucci – </a:t>
+            </a:r>
+            <a:r>
+              <a:rPr lang="en-GB" sz="1100" dirty="0" err="1">
+                <a:solidFill>
+                  <a:schemeClr val="bg2">
+                    <a:lumMod val="75000"/>
+                  </a:schemeClr>
+                </a:solidFill>
+                <a:latin typeface="Arial" panose="020B0604020202020204" pitchFamily="34" charset="0"/>
+              </a:rPr>
+              <a:t>umberto.Michelucci@hslu.ch</a:t>
+            </a:r>
+            <a:endParaRPr lang="en-GB" sz="1100" dirty="0">
+              <a:solidFill>
+                <a:schemeClr val="bg2">
+                  <a:lumMod val="75000"/>
+                </a:schemeClr>
+              </a:solidFill>
+              <a:latin typeface="Arial" panose="020B0604020202020204" pitchFamily="34" charset="0"/>
+            </a:endParaRPr>
+          </a:p>
+        </p:txBody>
+      </p:sp>
     </p:spTree>
     <p:extLst>
       <p:ext uri="{BB962C8B-B14F-4D97-AF65-F5344CB8AC3E}">
@@ -13288,6 +13937,94 @@
           </a:fontRef>
         </p:style>
       </p:cxnSp>
+      <p:sp>
+        <p:nvSpPr>
+          <p:cNvPr id="3" name="TextBox 2">
+            <a:extLst>
+              <a:ext uri="{FF2B5EF4-FFF2-40B4-BE49-F238E27FC236}">
+                <a16:creationId xmlns:a16="http://schemas.microsoft.com/office/drawing/2014/main" id="{F8523342-040D-0121-DCA3-D735C7E713FA}"/>
+              </a:ext>
+            </a:extLst>
+          </p:cNvPr>
+          <p:cNvSpPr txBox="1"/>
+          <p:nvPr/>
+        </p:nvSpPr>
+        <p:spPr>
+          <a:xfrm>
+            <a:off x="157942" y="4881890"/>
+            <a:ext cx="8695112" cy="261610"/>
+          </a:xfrm>
+          <a:prstGeom prst="rect">
+            <a:avLst/>
+          </a:prstGeom>
+          <a:noFill/>
+        </p:spPr>
+        <p:txBody>
+          <a:bodyPr wrap="square">
+            <a:spAutoFit/>
+          </a:bodyPr>
+          <a:lstStyle/>
+          <a:p>
+            <a:pPr algn="ctr">
+              <a:spcBef>
+                <a:spcPts val="0"/>
+              </a:spcBef>
+            </a:pPr>
+            <a:r>
+              <a:rPr lang="en-GB" sz="1100" dirty="0">
+                <a:solidFill>
+                  <a:schemeClr val="bg2">
+                    <a:lumMod val="75000"/>
+                  </a:schemeClr>
+                </a:solidFill>
+                <a:latin typeface="Arial" panose="020B0604020202020204" pitchFamily="34" charset="0"/>
+              </a:rPr>
+              <a:t>© </a:t>
+            </a:r>
+            <a:r>
+              <a:rPr lang="en-GB" sz="1100" dirty="0" err="1">
+                <a:solidFill>
+                  <a:schemeClr val="bg2">
+                    <a:lumMod val="75000"/>
+                  </a:schemeClr>
+                </a:solidFill>
+                <a:latin typeface="Arial" panose="020B0604020202020204" pitchFamily="34" charset="0"/>
+              </a:rPr>
+              <a:t>Dr.</a:t>
+            </a:r>
+            <a:r>
+              <a:rPr lang="en-GB" sz="1100" dirty="0">
+                <a:solidFill>
+                  <a:schemeClr val="bg2">
+                    <a:lumMod val="75000"/>
+                  </a:schemeClr>
+                </a:solidFill>
+                <a:latin typeface="Arial" panose="020B0604020202020204" pitchFamily="34" charset="0"/>
+              </a:rPr>
+              <a:t> U. Michelucci – </a:t>
+            </a:r>
+            <a:r>
+              <a:rPr lang="en-GB" sz="1100" dirty="0" err="1">
+                <a:solidFill>
+                  <a:schemeClr val="bg2">
+                    <a:lumMod val="75000"/>
+                  </a:schemeClr>
+                </a:solidFill>
+                <a:latin typeface="Arial" panose="020B0604020202020204" pitchFamily="34" charset="0"/>
+              </a:rPr>
+              <a:t>umberto.Michelucci@hslu.ch</a:t>
+            </a:r>
+            <a:endParaRPr lang="en-GB" sz="1100" dirty="0">
+              <a:solidFill>
+                <a:schemeClr val="bg2">
+                  <a:lumMod val="75000"/>
+                </a:schemeClr>
+              </a:solidFill>
+              <a:latin typeface="Arial" panose="020B0604020202020204" pitchFamily="34" charset="0"/>
+            </a:endParaRPr>
+          </a:p>
+        </p:txBody>
+      </p:sp>
     </p:spTree>
     <p:extLst>
       <p:ext uri="{BB962C8B-B14F-4D97-AF65-F5344CB8AC3E}">
@@ -13409,6 +14146,94 @@
               <a:rPr lang="en-US" sz="1600"/>
               <a:t>The students know what scikit-learn is and its role for machine learning projects</a:t>
             </a:r>
+          </a:p>
+        </p:txBody>
+      </p:sp>
+      <p:sp>
+        <p:nvSpPr>
+          <p:cNvPr id="4" name="TextBox 3">
+            <a:extLst>
+              <a:ext uri="{FF2B5EF4-FFF2-40B4-BE49-F238E27FC236}">
+                <a16:creationId xmlns:a16="http://schemas.microsoft.com/office/drawing/2014/main" id="{1EE0CB26-311D-1DAD-65EA-1A0FDD209E9E}"/>
+              </a:ext>
+            </a:extLst>
+          </p:cNvPr>
+          <p:cNvSpPr txBox="1"/>
+          <p:nvPr/>
+        </p:nvSpPr>
+        <p:spPr>
+          <a:xfrm>
+            <a:off x="157942" y="4881890"/>
+            <a:ext cx="8695112" cy="261610"/>
+          </a:xfrm>
+          <a:prstGeom prst="rect">
+            <a:avLst/>
+          </a:prstGeom>
+          <a:noFill/>
+        </p:spPr>
+        <p:txBody>
+          <a:bodyPr wrap="square">
+            <a:spAutoFit/>
+          </a:bodyPr>
+          <a:lstStyle/>
+          <a:p>
+            <a:pPr algn="ctr">
+              <a:spcBef>
+                <a:spcPts val="0"/>
+              </a:spcBef>
+            </a:pPr>
+            <a:r>
+              <a:rPr lang="en-GB" sz="1100" dirty="0">
+                <a:solidFill>
+                  <a:schemeClr val="bg2">
+                    <a:lumMod val="75000"/>
+                  </a:schemeClr>
+                </a:solidFill>
+                <a:latin typeface="Arial" panose="020B0604020202020204" pitchFamily="34" charset="0"/>
+              </a:rPr>
+              <a:t>© </a:t>
+            </a:r>
+            <a:r>
+              <a:rPr lang="en-GB" sz="1100" dirty="0" err="1">
+                <a:solidFill>
+                  <a:schemeClr val="bg2">
+                    <a:lumMod val="75000"/>
+                  </a:schemeClr>
+                </a:solidFill>
+                <a:latin typeface="Arial" panose="020B0604020202020204" pitchFamily="34" charset="0"/>
+              </a:rPr>
+              <a:t>Dr.</a:t>
+            </a:r>
+            <a:r>
+              <a:rPr lang="en-GB" sz="1100" dirty="0">
+                <a:solidFill>
+                  <a:schemeClr val="bg2">
+                    <a:lumMod val="75000"/>
+                  </a:schemeClr>
+                </a:solidFill>
+                <a:latin typeface="Arial" panose="020B0604020202020204" pitchFamily="34" charset="0"/>
+              </a:rPr>
+              <a:t> U. Michelucci – </a:t>
+            </a:r>
+            <a:r>
+              <a:rPr lang="en-GB" sz="1100" dirty="0" err="1">
+                <a:solidFill>
+                  <a:schemeClr val="bg2">
+                    <a:lumMod val="75000"/>
+                  </a:schemeClr>
+                </a:solidFill>
+                <a:latin typeface="Arial" panose="020B0604020202020204" pitchFamily="34" charset="0"/>
+              </a:rPr>
+              <a:t>umberto.Michelucci@hslu.ch</a:t>
+            </a:r>
+            <a:endParaRPr lang="en-GB" sz="1100" dirty="0">
+              <a:solidFill>
+                <a:schemeClr val="bg2">
+                  <a:lumMod val="75000"/>
+                </a:schemeClr>
+              </a:solidFill>
+              <a:latin typeface="Arial" panose="020B0604020202020204" pitchFamily="34" charset="0"/>
+            </a:endParaRPr>
           </a:p>
         </p:txBody>
       </p:sp>
@@ -14608,34 +15433,6 @@
       </p:grpSp>
       <p:sp>
         <p:nvSpPr>
-          <p:cNvPr id="5" name="Segnaposto piè di pagina 4">
-            <a:extLst>
-              <a:ext uri="{FF2B5EF4-FFF2-40B4-BE49-F238E27FC236}">
-                <a16:creationId xmlns:a16="http://schemas.microsoft.com/office/drawing/2014/main" id="{BCB95629-714E-46BF-87B0-69B45A189EE8}"/>
-              </a:ext>
-            </a:extLst>
-          </p:cNvPr>
-          <p:cNvSpPr>
-            <a:spLocks noGrp="1"/>
-          </p:cNvSpPr>
-          <p:nvPr>
-            <p:ph type="ftr" sz="quarter" idx="11"/>
-          </p:nvPr>
-        </p:nvSpPr>
-        <p:spPr/>
-        <p:txBody>
-          <a:bodyPr/>
-          <a:lstStyle/>
-          <a:p>
-            <a:r>
-              <a:rPr lang="en-US"/>
-              <a:t>M. Sperti</a:t>
-            </a:r>
-          </a:p>
-        </p:txBody>
-      </p:sp>
-      <p:sp>
-        <p:nvSpPr>
           <p:cNvPr id="15" name="Rectangle 14">
             <a:extLst>
               <a:ext uri="{FF2B5EF4-FFF2-40B4-BE49-F238E27FC236}">
@@ -14991,6 +15788,94 @@
               </a:rPr>
               <a:t>Model validation</a:t>
             </a:r>
+          </a:p>
+        </p:txBody>
+      </p:sp>
+      <p:sp>
+        <p:nvSpPr>
+          <p:cNvPr id="7" name="TextBox 6">
+            <a:extLst>
+              <a:ext uri="{FF2B5EF4-FFF2-40B4-BE49-F238E27FC236}">
+                <a16:creationId xmlns:a16="http://schemas.microsoft.com/office/drawing/2014/main" id="{2EFFFAE4-E9F1-90E7-84FC-E4E987C40CA8}"/>
+              </a:ext>
+            </a:extLst>
+          </p:cNvPr>
+          <p:cNvSpPr txBox="1"/>
+          <p:nvPr/>
+        </p:nvSpPr>
+        <p:spPr>
+          <a:xfrm>
+            <a:off x="157942" y="4881890"/>
+            <a:ext cx="8695112" cy="261610"/>
+          </a:xfrm>
+          <a:prstGeom prst="rect">
+            <a:avLst/>
+          </a:prstGeom>
+          <a:noFill/>
+        </p:spPr>
+        <p:txBody>
+          <a:bodyPr wrap="square">
+            <a:spAutoFit/>
+          </a:bodyPr>
+          <a:lstStyle/>
+          <a:p>
+            <a:pPr algn="ctr">
+              <a:spcBef>
+                <a:spcPts val="0"/>
+              </a:spcBef>
+            </a:pPr>
+            <a:r>
+              <a:rPr lang="en-GB" sz="1100" dirty="0">
+                <a:solidFill>
+                  <a:schemeClr val="bg2">
+                    <a:lumMod val="75000"/>
+                  </a:schemeClr>
+                </a:solidFill>
+                <a:latin typeface="Arial" panose="020B0604020202020204" pitchFamily="34" charset="0"/>
+              </a:rPr>
+              <a:t>© </a:t>
+            </a:r>
+            <a:r>
+              <a:rPr lang="en-GB" sz="1100" dirty="0" err="1">
+                <a:solidFill>
+                  <a:schemeClr val="bg2">
+                    <a:lumMod val="75000"/>
+                  </a:schemeClr>
+                </a:solidFill>
+                <a:latin typeface="Arial" panose="020B0604020202020204" pitchFamily="34" charset="0"/>
+              </a:rPr>
+              <a:t>Dr.</a:t>
+            </a:r>
+            <a:r>
+              <a:rPr lang="en-GB" sz="1100" dirty="0">
+                <a:solidFill>
+                  <a:schemeClr val="bg2">
+                    <a:lumMod val="75000"/>
+                  </a:schemeClr>
+                </a:solidFill>
+                <a:latin typeface="Arial" panose="020B0604020202020204" pitchFamily="34" charset="0"/>
+              </a:rPr>
+              <a:t> U. Michelucci – </a:t>
+            </a:r>
+            <a:r>
+              <a:rPr lang="en-GB" sz="1100" dirty="0" err="1">
+                <a:solidFill>
+                  <a:schemeClr val="bg2">
+                    <a:lumMod val="75000"/>
+                  </a:schemeClr>
+                </a:solidFill>
+                <a:latin typeface="Arial" panose="020B0604020202020204" pitchFamily="34" charset="0"/>
+              </a:rPr>
+              <a:t>umberto.Michelucci@hslu.ch</a:t>
+            </a:r>
+            <a:endParaRPr lang="en-GB" sz="1100" dirty="0">
+              <a:solidFill>
+                <a:schemeClr val="bg2">
+                  <a:lumMod val="75000"/>
+                </a:schemeClr>
+              </a:solidFill>
+              <a:latin typeface="Arial" panose="020B0604020202020204" pitchFamily="34" charset="0"/>
+            </a:endParaRPr>
           </a:p>
         </p:txBody>
       </p:sp>
@@ -15457,34 +16342,6 @@
       </p:sp>
       <p:sp>
         <p:nvSpPr>
-          <p:cNvPr id="5" name="Segnaposto piè di pagina 4">
-            <a:extLst>
-              <a:ext uri="{FF2B5EF4-FFF2-40B4-BE49-F238E27FC236}">
-                <a16:creationId xmlns:a16="http://schemas.microsoft.com/office/drawing/2014/main" id="{819E3B67-A182-4381-9A10-00049CB84239}"/>
-              </a:ext>
-            </a:extLst>
-          </p:cNvPr>
-          <p:cNvSpPr>
-            <a:spLocks noGrp="1"/>
-          </p:cNvSpPr>
-          <p:nvPr>
-            <p:ph type="ftr" sz="quarter" idx="11"/>
-          </p:nvPr>
-        </p:nvSpPr>
-        <p:spPr/>
-        <p:txBody>
-          <a:bodyPr/>
-          <a:lstStyle/>
-          <a:p>
-            <a:r>
-              <a:rPr lang="en-US"/>
-              <a:t>M. Sperti</a:t>
-            </a:r>
-          </a:p>
-        </p:txBody>
-      </p:sp>
-      <p:sp>
-        <p:nvSpPr>
           <p:cNvPr id="2" name="CasellaDiTesto 1">
             <a:extLst>
               <a:ext uri="{FF2B5EF4-FFF2-40B4-BE49-F238E27FC236}">
@@ -15722,6 +16579,94 @@
           </a:p>
         </p:txBody>
       </p:sp>
+      <p:sp>
+        <p:nvSpPr>
+          <p:cNvPr id="3" name="TextBox 2">
+            <a:extLst>
+              <a:ext uri="{FF2B5EF4-FFF2-40B4-BE49-F238E27FC236}">
+                <a16:creationId xmlns:a16="http://schemas.microsoft.com/office/drawing/2014/main" id="{763C3B63-9743-F41B-D471-8FF0D0BD1406}"/>
+              </a:ext>
+            </a:extLst>
+          </p:cNvPr>
+          <p:cNvSpPr txBox="1"/>
+          <p:nvPr/>
+        </p:nvSpPr>
+        <p:spPr>
+          <a:xfrm>
+            <a:off x="157942" y="4881890"/>
+            <a:ext cx="8695112" cy="261610"/>
+          </a:xfrm>
+          <a:prstGeom prst="rect">
+            <a:avLst/>
+          </a:prstGeom>
+          <a:noFill/>
+        </p:spPr>
+        <p:txBody>
+          <a:bodyPr wrap="square">
+            <a:spAutoFit/>
+          </a:bodyPr>
+          <a:lstStyle/>
+          <a:p>
+            <a:pPr algn="ctr">
+              <a:spcBef>
+                <a:spcPts val="0"/>
+              </a:spcBef>
+            </a:pPr>
+            <a:r>
+              <a:rPr lang="en-GB" sz="1100" dirty="0">
+                <a:solidFill>
+                  <a:schemeClr val="bg2">
+                    <a:lumMod val="75000"/>
+                  </a:schemeClr>
+                </a:solidFill>
+                <a:latin typeface="Arial" panose="020B0604020202020204" pitchFamily="34" charset="0"/>
+              </a:rPr>
+              <a:t>© </a:t>
+            </a:r>
+            <a:r>
+              <a:rPr lang="en-GB" sz="1100" dirty="0" err="1">
+                <a:solidFill>
+                  <a:schemeClr val="bg2">
+                    <a:lumMod val="75000"/>
+                  </a:schemeClr>
+                </a:solidFill>
+                <a:latin typeface="Arial" panose="020B0604020202020204" pitchFamily="34" charset="0"/>
+              </a:rPr>
+              <a:t>Dr.</a:t>
+            </a:r>
+            <a:r>
+              <a:rPr lang="en-GB" sz="1100" dirty="0">
+                <a:solidFill>
+                  <a:schemeClr val="bg2">
+                    <a:lumMod val="75000"/>
+                  </a:schemeClr>
+                </a:solidFill>
+                <a:latin typeface="Arial" panose="020B0604020202020204" pitchFamily="34" charset="0"/>
+              </a:rPr>
+              <a:t> U. Michelucci – </a:t>
+            </a:r>
+            <a:r>
+              <a:rPr lang="en-GB" sz="1100" dirty="0" err="1">
+                <a:solidFill>
+                  <a:schemeClr val="bg2">
+                    <a:lumMod val="75000"/>
+                  </a:schemeClr>
+                </a:solidFill>
+                <a:latin typeface="Arial" panose="020B0604020202020204" pitchFamily="34" charset="0"/>
+              </a:rPr>
+              <a:t>umberto.Michelucci@hslu.ch</a:t>
+            </a:r>
+            <a:endParaRPr lang="en-GB" sz="1100" dirty="0">
+              <a:solidFill>
+                <a:schemeClr val="bg2">
+                  <a:lumMod val="75000"/>
+                </a:schemeClr>
+              </a:solidFill>
+              <a:latin typeface="Arial" panose="020B0604020202020204" pitchFamily="34" charset="0"/>
+            </a:endParaRPr>
+          </a:p>
+        </p:txBody>
+      </p:sp>
     </p:spTree>
     <p:extLst>
       <p:ext uri="{BB962C8B-B14F-4D97-AF65-F5344CB8AC3E}">
@@ -15793,34 +16738,6 @@
       </p:sp>
       <p:sp>
         <p:nvSpPr>
-          <p:cNvPr id="5" name="Segnaposto piè di pagina 4">
-            <a:extLst>
-              <a:ext uri="{FF2B5EF4-FFF2-40B4-BE49-F238E27FC236}">
-                <a16:creationId xmlns:a16="http://schemas.microsoft.com/office/drawing/2014/main" id="{819E3B67-A182-4381-9A10-00049CB84239}"/>
-              </a:ext>
-            </a:extLst>
-          </p:cNvPr>
-          <p:cNvSpPr>
-            <a:spLocks noGrp="1"/>
-          </p:cNvSpPr>
-          <p:nvPr>
-            <p:ph type="ftr" sz="quarter" idx="11"/>
-          </p:nvPr>
-        </p:nvSpPr>
-        <p:spPr/>
-        <p:txBody>
-          <a:bodyPr/>
-          <a:lstStyle/>
-          <a:p>
-            <a:r>
-              <a:rPr lang="en-US"/>
-              <a:t>M. Sperti</a:t>
-            </a:r>
-          </a:p>
-        </p:txBody>
-      </p:sp>
-      <p:sp>
-        <p:nvSpPr>
           <p:cNvPr id="2" name="CasellaDiTesto 1">
             <a:extLst>
               <a:ext uri="{FF2B5EF4-FFF2-40B4-BE49-F238E27FC236}">
@@ -15979,6 +16896,94 @@
           </a:prstGeom>
         </p:spPr>
       </p:pic>
+      <p:sp>
+        <p:nvSpPr>
+          <p:cNvPr id="3" name="TextBox 2">
+            <a:extLst>
+              <a:ext uri="{FF2B5EF4-FFF2-40B4-BE49-F238E27FC236}">
+                <a16:creationId xmlns:a16="http://schemas.microsoft.com/office/drawing/2014/main" id="{74230782-EC1C-B43C-C861-10A7487AD588}"/>
+              </a:ext>
+            </a:extLst>
+          </p:cNvPr>
+          <p:cNvSpPr txBox="1"/>
+          <p:nvPr/>
+        </p:nvSpPr>
+        <p:spPr>
+          <a:xfrm>
+            <a:off x="157942" y="4881890"/>
+            <a:ext cx="8695112" cy="261610"/>
+          </a:xfrm>
+          <a:prstGeom prst="rect">
+            <a:avLst/>
+          </a:prstGeom>
+          <a:noFill/>
+        </p:spPr>
+        <p:txBody>
+          <a:bodyPr wrap="square">
+            <a:spAutoFit/>
+          </a:bodyPr>
+          <a:lstStyle/>
+          <a:p>
+            <a:pPr algn="ctr">
+              <a:spcBef>
+                <a:spcPts val="0"/>
+              </a:spcBef>
+            </a:pPr>
+            <a:r>
+              <a:rPr lang="en-GB" sz="1100" dirty="0">
+                <a:solidFill>
+                  <a:schemeClr val="bg2">
+                    <a:lumMod val="75000"/>
+                  </a:schemeClr>
+                </a:solidFill>
+                <a:latin typeface="Arial" panose="020B0604020202020204" pitchFamily="34" charset="0"/>
+              </a:rPr>
+              <a:t>© </a:t>
+            </a:r>
+            <a:r>
+              <a:rPr lang="en-GB" sz="1100" dirty="0" err="1">
+                <a:solidFill>
+                  <a:schemeClr val="bg2">
+                    <a:lumMod val="75000"/>
+                  </a:schemeClr>
+                </a:solidFill>
+                <a:latin typeface="Arial" panose="020B0604020202020204" pitchFamily="34" charset="0"/>
+              </a:rPr>
+              <a:t>Dr.</a:t>
+            </a:r>
+            <a:r>
+              <a:rPr lang="en-GB" sz="1100" dirty="0">
+                <a:solidFill>
+                  <a:schemeClr val="bg2">
+                    <a:lumMod val="75000"/>
+                  </a:schemeClr>
+                </a:solidFill>
+                <a:latin typeface="Arial" panose="020B0604020202020204" pitchFamily="34" charset="0"/>
+              </a:rPr>
+              <a:t> U. Michelucci – </a:t>
+            </a:r>
+            <a:r>
+              <a:rPr lang="en-GB" sz="1100" dirty="0" err="1">
+                <a:solidFill>
+                  <a:schemeClr val="bg2">
+                    <a:lumMod val="75000"/>
+                  </a:schemeClr>
+                </a:solidFill>
+                <a:latin typeface="Arial" panose="020B0604020202020204" pitchFamily="34" charset="0"/>
+              </a:rPr>
+              <a:t>umberto.Michelucci@hslu.ch</a:t>
+            </a:r>
+            <a:endParaRPr lang="en-GB" sz="1100" dirty="0">
+              <a:solidFill>
+                <a:schemeClr val="bg2">
+                  <a:lumMod val="75000"/>
+                </a:schemeClr>
+              </a:solidFill>
+              <a:latin typeface="Arial" panose="020B0604020202020204" pitchFamily="34" charset="0"/>
+            </a:endParaRPr>
+          </a:p>
+        </p:txBody>
+      </p:sp>
     </p:spTree>
     <p:extLst>
       <p:ext uri="{BB962C8B-B14F-4D97-AF65-F5344CB8AC3E}">
@@ -16054,34 +17059,6 @@
                 <a:cs typeface="Arial" panose="020B0604020202020204" pitchFamily="34" charset="0"/>
               </a:rPr>
               <a:t>Paper Preparation Folder</a:t>
-            </a:r>
-          </a:p>
-        </p:txBody>
-      </p:sp>
-      <p:sp>
-        <p:nvSpPr>
-          <p:cNvPr id="5" name="Segnaposto piè di pagina 4">
-            <a:extLst>
-              <a:ext uri="{FF2B5EF4-FFF2-40B4-BE49-F238E27FC236}">
-                <a16:creationId xmlns:a16="http://schemas.microsoft.com/office/drawing/2014/main" id="{819E3B67-A182-4381-9A10-00049CB84239}"/>
-              </a:ext>
-            </a:extLst>
-          </p:cNvPr>
-          <p:cNvSpPr>
-            <a:spLocks noGrp="1"/>
-          </p:cNvSpPr>
-          <p:nvPr>
-            <p:ph type="ftr" sz="quarter" idx="11"/>
-          </p:nvPr>
-        </p:nvSpPr>
-        <p:spPr/>
-        <p:txBody>
-          <a:bodyPr/>
-          <a:lstStyle/>
-          <a:p>
-            <a:r>
-              <a:rPr lang="en-US"/>
-              <a:t>M. Sperti</a:t>
             </a:r>
           </a:p>
         </p:txBody>
@@ -16787,6 +17764,94 @@
           </a:prstGeom>
         </p:spPr>
       </p:pic>
+      <p:sp>
+        <p:nvSpPr>
+          <p:cNvPr id="3" name="TextBox 2">
+            <a:extLst>
+              <a:ext uri="{FF2B5EF4-FFF2-40B4-BE49-F238E27FC236}">
+                <a16:creationId xmlns:a16="http://schemas.microsoft.com/office/drawing/2014/main" id="{06FC760C-5EB2-7FD4-7C70-ED67058DDDA0}"/>
+              </a:ext>
+            </a:extLst>
+          </p:cNvPr>
+          <p:cNvSpPr txBox="1"/>
+          <p:nvPr/>
+        </p:nvSpPr>
+        <p:spPr>
+          <a:xfrm>
+            <a:off x="157942" y="4881890"/>
+            <a:ext cx="8695112" cy="261610"/>
+          </a:xfrm>
+          <a:prstGeom prst="rect">
+            <a:avLst/>
+          </a:prstGeom>
+          <a:noFill/>
+        </p:spPr>
+        <p:txBody>
+          <a:bodyPr wrap="square">
+            <a:spAutoFit/>
+          </a:bodyPr>
+          <a:lstStyle/>
+          <a:p>
+            <a:pPr algn="ctr">
+              <a:spcBef>
+                <a:spcPts val="0"/>
+              </a:spcBef>
+            </a:pPr>
+            <a:r>
+              <a:rPr lang="en-GB" sz="1100" dirty="0">
+                <a:solidFill>
+                  <a:schemeClr val="bg2">
+                    <a:lumMod val="75000"/>
+                  </a:schemeClr>
+                </a:solidFill>
+                <a:latin typeface="Arial" panose="020B0604020202020204" pitchFamily="34" charset="0"/>
+              </a:rPr>
+              <a:t>© </a:t>
+            </a:r>
+            <a:r>
+              <a:rPr lang="en-GB" sz="1100" dirty="0" err="1">
+                <a:solidFill>
+                  <a:schemeClr val="bg2">
+                    <a:lumMod val="75000"/>
+                  </a:schemeClr>
+                </a:solidFill>
+                <a:latin typeface="Arial" panose="020B0604020202020204" pitchFamily="34" charset="0"/>
+              </a:rPr>
+              <a:t>Dr.</a:t>
+            </a:r>
+            <a:r>
+              <a:rPr lang="en-GB" sz="1100" dirty="0">
+                <a:solidFill>
+                  <a:schemeClr val="bg2">
+                    <a:lumMod val="75000"/>
+                  </a:schemeClr>
+                </a:solidFill>
+                <a:latin typeface="Arial" panose="020B0604020202020204" pitchFamily="34" charset="0"/>
+              </a:rPr>
+              <a:t> U. Michelucci – </a:t>
+            </a:r>
+            <a:r>
+              <a:rPr lang="en-GB" sz="1100" dirty="0" err="1">
+                <a:solidFill>
+                  <a:schemeClr val="bg2">
+                    <a:lumMod val="75000"/>
+                  </a:schemeClr>
+                </a:solidFill>
+                <a:latin typeface="Arial" panose="020B0604020202020204" pitchFamily="34" charset="0"/>
+              </a:rPr>
+              <a:t>umberto.Michelucci@hslu.ch</a:t>
+            </a:r>
+            <a:endParaRPr lang="en-GB" sz="1100" dirty="0">
+              <a:solidFill>
+                <a:schemeClr val="bg2">
+                  <a:lumMod val="75000"/>
+                </a:schemeClr>
+              </a:solidFill>
+              <a:latin typeface="Arial" panose="020B0604020202020204" pitchFamily="34" charset="0"/>
+            </a:endParaRPr>
+          </a:p>
+        </p:txBody>
+      </p:sp>
     </p:spTree>
     <p:extLst>
       <p:ext uri="{BB962C8B-B14F-4D97-AF65-F5344CB8AC3E}">
@@ -16846,6 +17911,94 @@
               <a:rPr lang="en-CH"/>
               <a:t>ython Libraries and machine learning pipelines</a:t>
             </a:r>
+          </a:p>
+        </p:txBody>
+      </p:sp>
+      <p:sp>
+        <p:nvSpPr>
+          <p:cNvPr id="3" name="TextBox 2">
+            <a:extLst>
+              <a:ext uri="{FF2B5EF4-FFF2-40B4-BE49-F238E27FC236}">
+                <a16:creationId xmlns:a16="http://schemas.microsoft.com/office/drawing/2014/main" id="{DDC22E0E-2BED-231C-A36D-E82A08F04279}"/>
+              </a:ext>
+            </a:extLst>
+          </p:cNvPr>
+          <p:cNvSpPr txBox="1"/>
+          <p:nvPr/>
+        </p:nvSpPr>
+        <p:spPr>
+          <a:xfrm>
+            <a:off x="157942" y="4881890"/>
+            <a:ext cx="8695112" cy="261610"/>
+          </a:xfrm>
+          <a:prstGeom prst="rect">
+            <a:avLst/>
+          </a:prstGeom>
+          <a:noFill/>
+        </p:spPr>
+        <p:txBody>
+          <a:bodyPr wrap="square">
+            <a:spAutoFit/>
+          </a:bodyPr>
+          <a:lstStyle/>
+          <a:p>
+            <a:pPr algn="ctr">
+              <a:spcBef>
+                <a:spcPts val="0"/>
+              </a:spcBef>
+            </a:pPr>
+            <a:r>
+              <a:rPr lang="en-GB" sz="1100" dirty="0">
+                <a:solidFill>
+                  <a:schemeClr val="bg2">
+                    <a:lumMod val="75000"/>
+                  </a:schemeClr>
+                </a:solidFill>
+                <a:latin typeface="Arial" panose="020B0604020202020204" pitchFamily="34" charset="0"/>
+              </a:rPr>
+              <a:t>© </a:t>
+            </a:r>
+            <a:r>
+              <a:rPr lang="en-GB" sz="1100" dirty="0" err="1">
+                <a:solidFill>
+                  <a:schemeClr val="bg2">
+                    <a:lumMod val="75000"/>
+                  </a:schemeClr>
+                </a:solidFill>
+                <a:latin typeface="Arial" panose="020B0604020202020204" pitchFamily="34" charset="0"/>
+              </a:rPr>
+              <a:t>Dr.</a:t>
+            </a:r>
+            <a:r>
+              <a:rPr lang="en-GB" sz="1100" dirty="0">
+                <a:solidFill>
+                  <a:schemeClr val="bg2">
+                    <a:lumMod val="75000"/>
+                  </a:schemeClr>
+                </a:solidFill>
+                <a:latin typeface="Arial" panose="020B0604020202020204" pitchFamily="34" charset="0"/>
+              </a:rPr>
+              <a:t> U. Michelucci – </a:t>
+            </a:r>
+            <a:r>
+              <a:rPr lang="en-GB" sz="1100" dirty="0" err="1">
+                <a:solidFill>
+                  <a:schemeClr val="bg2">
+                    <a:lumMod val="75000"/>
+                  </a:schemeClr>
+                </a:solidFill>
+                <a:latin typeface="Arial" panose="020B0604020202020204" pitchFamily="34" charset="0"/>
+              </a:rPr>
+              <a:t>umberto.Michelucci@hslu.ch</a:t>
+            </a:r>
+            <a:endParaRPr lang="en-GB" sz="1100" dirty="0">
+              <a:solidFill>
+                <a:schemeClr val="bg2">
+                  <a:lumMod val="75000"/>
+                </a:schemeClr>
+              </a:solidFill>
+              <a:latin typeface="Arial" panose="020B0604020202020204" pitchFamily="34" charset="0"/>
+            </a:endParaRPr>
           </a:p>
         </p:txBody>
       </p:sp>
@@ -18618,6 +19771,94 @@
           </a:fontRef>
         </p:style>
       </p:cxnSp>
+      <p:sp>
+        <p:nvSpPr>
+          <p:cNvPr id="3" name="TextBox 2">
+            <a:extLst>
+              <a:ext uri="{FF2B5EF4-FFF2-40B4-BE49-F238E27FC236}">
+                <a16:creationId xmlns:a16="http://schemas.microsoft.com/office/drawing/2014/main" id="{D53F7257-A717-25A6-9EF6-AC69325C0E14}"/>
+              </a:ext>
+            </a:extLst>
+          </p:cNvPr>
+          <p:cNvSpPr txBox="1"/>
+          <p:nvPr/>
+        </p:nvSpPr>
+        <p:spPr>
+          <a:xfrm>
+            <a:off x="157942" y="4881890"/>
+            <a:ext cx="8695112" cy="261610"/>
+          </a:xfrm>
+          <a:prstGeom prst="rect">
+            <a:avLst/>
+          </a:prstGeom>
+          <a:noFill/>
+        </p:spPr>
+        <p:txBody>
+          <a:bodyPr wrap="square">
+            <a:spAutoFit/>
+          </a:bodyPr>
+          <a:lstStyle/>
+          <a:p>
+            <a:pPr algn="ctr">
+              <a:spcBef>
+                <a:spcPts val="0"/>
+              </a:spcBef>
+            </a:pPr>
+            <a:r>
+              <a:rPr lang="en-GB" sz="1100" dirty="0">
+                <a:solidFill>
+                  <a:schemeClr val="bg2">
+                    <a:lumMod val="75000"/>
+                  </a:schemeClr>
+                </a:solidFill>
+                <a:latin typeface="Arial" panose="020B0604020202020204" pitchFamily="34" charset="0"/>
+              </a:rPr>
+              <a:t>© </a:t>
+            </a:r>
+            <a:r>
+              <a:rPr lang="en-GB" sz="1100" dirty="0" err="1">
+                <a:solidFill>
+                  <a:schemeClr val="bg2">
+                    <a:lumMod val="75000"/>
+                  </a:schemeClr>
+                </a:solidFill>
+                <a:latin typeface="Arial" panose="020B0604020202020204" pitchFamily="34" charset="0"/>
+              </a:rPr>
+              <a:t>Dr.</a:t>
+            </a:r>
+            <a:r>
+              <a:rPr lang="en-GB" sz="1100" dirty="0">
+                <a:solidFill>
+                  <a:schemeClr val="bg2">
+                    <a:lumMod val="75000"/>
+                  </a:schemeClr>
+                </a:solidFill>
+                <a:latin typeface="Arial" panose="020B0604020202020204" pitchFamily="34" charset="0"/>
+              </a:rPr>
+              <a:t> U. Michelucci – </a:t>
+            </a:r>
+            <a:r>
+              <a:rPr lang="en-GB" sz="1100" dirty="0" err="1">
+                <a:solidFill>
+                  <a:schemeClr val="bg2">
+                    <a:lumMod val="75000"/>
+                  </a:schemeClr>
+                </a:solidFill>
+                <a:latin typeface="Arial" panose="020B0604020202020204" pitchFamily="34" charset="0"/>
+              </a:rPr>
+              <a:t>umberto.Michelucci@hslu.ch</a:t>
+            </a:r>
+            <a:endParaRPr lang="en-GB" sz="1100" dirty="0">
+              <a:solidFill>
+                <a:schemeClr val="bg2">
+                  <a:lumMod val="75000"/>
+                </a:schemeClr>
+              </a:solidFill>
+              <a:latin typeface="Arial" panose="020B0604020202020204" pitchFamily="34" charset="0"/>
+            </a:endParaRPr>
+          </a:p>
+        </p:txBody>
+      </p:sp>
     </p:spTree>
     <p:extLst>
       <p:ext uri="{BB962C8B-B14F-4D97-AF65-F5344CB8AC3E}">
@@ -18673,6 +19914,94 @@
               <a:rPr lang="en-CH"/>
               <a:t>Python</a:t>
             </a:r>
+          </a:p>
+        </p:txBody>
+      </p:sp>
+      <p:sp>
+        <p:nvSpPr>
+          <p:cNvPr id="3" name="TextBox 2">
+            <a:extLst>
+              <a:ext uri="{FF2B5EF4-FFF2-40B4-BE49-F238E27FC236}">
+                <a16:creationId xmlns:a16="http://schemas.microsoft.com/office/drawing/2014/main" id="{D8CB6009-8633-2D48-CA21-D93AA7153D0C}"/>
+              </a:ext>
+            </a:extLst>
+          </p:cNvPr>
+          <p:cNvSpPr txBox="1"/>
+          <p:nvPr/>
+        </p:nvSpPr>
+        <p:spPr>
+          <a:xfrm>
+            <a:off x="157942" y="4881890"/>
+            <a:ext cx="8695112" cy="261610"/>
+          </a:xfrm>
+          <a:prstGeom prst="rect">
+            <a:avLst/>
+          </a:prstGeom>
+          <a:noFill/>
+        </p:spPr>
+        <p:txBody>
+          <a:bodyPr wrap="square">
+            <a:spAutoFit/>
+          </a:bodyPr>
+          <a:lstStyle/>
+          <a:p>
+            <a:pPr algn="ctr">
+              <a:spcBef>
+                <a:spcPts val="0"/>
+              </a:spcBef>
+            </a:pPr>
+            <a:r>
+              <a:rPr lang="en-GB" sz="1100" dirty="0">
+                <a:solidFill>
+                  <a:schemeClr val="bg2">
+                    <a:lumMod val="75000"/>
+                  </a:schemeClr>
+                </a:solidFill>
+                <a:latin typeface="Arial" panose="020B0604020202020204" pitchFamily="34" charset="0"/>
+              </a:rPr>
+              <a:t>© </a:t>
+            </a:r>
+            <a:r>
+              <a:rPr lang="en-GB" sz="1100" dirty="0" err="1">
+                <a:solidFill>
+                  <a:schemeClr val="bg2">
+                    <a:lumMod val="75000"/>
+                  </a:schemeClr>
+                </a:solidFill>
+                <a:latin typeface="Arial" panose="020B0604020202020204" pitchFamily="34" charset="0"/>
+              </a:rPr>
+              <a:t>Dr.</a:t>
+            </a:r>
+            <a:r>
+              <a:rPr lang="en-GB" sz="1100" dirty="0">
+                <a:solidFill>
+                  <a:schemeClr val="bg2">
+                    <a:lumMod val="75000"/>
+                  </a:schemeClr>
+                </a:solidFill>
+                <a:latin typeface="Arial" panose="020B0604020202020204" pitchFamily="34" charset="0"/>
+              </a:rPr>
+              <a:t> U. Michelucci – </a:t>
+            </a:r>
+            <a:r>
+              <a:rPr lang="en-GB" sz="1100" dirty="0" err="1">
+                <a:solidFill>
+                  <a:schemeClr val="bg2">
+                    <a:lumMod val="75000"/>
+                  </a:schemeClr>
+                </a:solidFill>
+                <a:latin typeface="Arial" panose="020B0604020202020204" pitchFamily="34" charset="0"/>
+              </a:rPr>
+              <a:t>umberto.Michelucci@hslu.ch</a:t>
+            </a:r>
+            <a:endParaRPr lang="en-GB" sz="1100" dirty="0">
+              <a:solidFill>
+                <a:schemeClr val="bg2">
+                  <a:lumMod val="75000"/>
+                </a:schemeClr>
+              </a:solidFill>
+              <a:latin typeface="Arial" panose="020B0604020202020204" pitchFamily="34" charset="0"/>
+            </a:endParaRPr>
           </a:p>
         </p:txBody>
       </p:sp>
@@ -18836,6 +20165,94 @@
           </a:p>
         </p:txBody>
       </p:sp>
+      <p:sp>
+        <p:nvSpPr>
+          <p:cNvPr id="5" name="TextBox 4">
+            <a:extLst>
+              <a:ext uri="{FF2B5EF4-FFF2-40B4-BE49-F238E27FC236}">
+                <a16:creationId xmlns:a16="http://schemas.microsoft.com/office/drawing/2014/main" id="{FAA86946-8E6D-41E6-28B0-CB7B1BB3A64B}"/>
+              </a:ext>
+            </a:extLst>
+          </p:cNvPr>
+          <p:cNvSpPr txBox="1"/>
+          <p:nvPr/>
+        </p:nvSpPr>
+        <p:spPr>
+          <a:xfrm>
+            <a:off x="157942" y="4881890"/>
+            <a:ext cx="8695112" cy="261610"/>
+          </a:xfrm>
+          <a:prstGeom prst="rect">
+            <a:avLst/>
+          </a:prstGeom>
+          <a:noFill/>
+        </p:spPr>
+        <p:txBody>
+          <a:bodyPr wrap="square">
+            <a:spAutoFit/>
+          </a:bodyPr>
+          <a:lstStyle/>
+          <a:p>
+            <a:pPr algn="ctr">
+              <a:spcBef>
+                <a:spcPts val="0"/>
+              </a:spcBef>
+            </a:pPr>
+            <a:r>
+              <a:rPr lang="en-GB" sz="1100" dirty="0">
+                <a:solidFill>
+                  <a:schemeClr val="bg2">
+                    <a:lumMod val="75000"/>
+                  </a:schemeClr>
+                </a:solidFill>
+                <a:latin typeface="Arial" panose="020B0604020202020204" pitchFamily="34" charset="0"/>
+              </a:rPr>
+              <a:t>© </a:t>
+            </a:r>
+            <a:r>
+              <a:rPr lang="en-GB" sz="1100" dirty="0" err="1">
+                <a:solidFill>
+                  <a:schemeClr val="bg2">
+                    <a:lumMod val="75000"/>
+                  </a:schemeClr>
+                </a:solidFill>
+                <a:latin typeface="Arial" panose="020B0604020202020204" pitchFamily="34" charset="0"/>
+              </a:rPr>
+              <a:t>Dr.</a:t>
+            </a:r>
+            <a:r>
+              <a:rPr lang="en-GB" sz="1100" dirty="0">
+                <a:solidFill>
+                  <a:schemeClr val="bg2">
+                    <a:lumMod val="75000"/>
+                  </a:schemeClr>
+                </a:solidFill>
+                <a:latin typeface="Arial" panose="020B0604020202020204" pitchFamily="34" charset="0"/>
+              </a:rPr>
+              <a:t> U. Michelucci – </a:t>
+            </a:r>
+            <a:r>
+              <a:rPr lang="en-GB" sz="1100" dirty="0" err="1">
+                <a:solidFill>
+                  <a:schemeClr val="bg2">
+                    <a:lumMod val="75000"/>
+                  </a:schemeClr>
+                </a:solidFill>
+                <a:latin typeface="Arial" panose="020B0604020202020204" pitchFamily="34" charset="0"/>
+              </a:rPr>
+              <a:t>umberto.Michelucci@hslu.ch</a:t>
+            </a:r>
+            <a:endParaRPr lang="en-GB" sz="1100" dirty="0">
+              <a:solidFill>
+                <a:schemeClr val="bg2">
+                  <a:lumMod val="75000"/>
+                </a:schemeClr>
+              </a:solidFill>
+              <a:latin typeface="Arial" panose="020B0604020202020204" pitchFamily="34" charset="0"/>
+            </a:endParaRPr>
+          </a:p>
+        </p:txBody>
+      </p:sp>
     </p:spTree>
     <p:extLst>
       <p:ext uri="{BB962C8B-B14F-4D97-AF65-F5344CB8AC3E}">
@@ -19010,6 +20427,94 @@
               <a:rPr lang="en-GB" sz="1200"/>
               <a:t>www.py4e.com</a:t>
             </a:r>
+          </a:p>
+        </p:txBody>
+      </p:sp>
+      <p:sp>
+        <p:nvSpPr>
+          <p:cNvPr id="4" name="TextBox 3">
+            <a:extLst>
+              <a:ext uri="{FF2B5EF4-FFF2-40B4-BE49-F238E27FC236}">
+                <a16:creationId xmlns:a16="http://schemas.microsoft.com/office/drawing/2014/main" id="{AB7F4670-FE9A-436F-770B-0621C8439446}"/>
+              </a:ext>
+            </a:extLst>
+          </p:cNvPr>
+          <p:cNvSpPr txBox="1"/>
+          <p:nvPr/>
+        </p:nvSpPr>
+        <p:spPr>
+          <a:xfrm>
+            <a:off x="157942" y="4881890"/>
+            <a:ext cx="8695112" cy="261610"/>
+          </a:xfrm>
+          <a:prstGeom prst="rect">
+            <a:avLst/>
+          </a:prstGeom>
+          <a:noFill/>
+        </p:spPr>
+        <p:txBody>
+          <a:bodyPr wrap="square">
+            <a:spAutoFit/>
+          </a:bodyPr>
+          <a:lstStyle/>
+          <a:p>
+            <a:pPr algn="ctr">
+              <a:spcBef>
+                <a:spcPts val="0"/>
+              </a:spcBef>
+            </a:pPr>
+            <a:r>
+              <a:rPr lang="en-GB" sz="1100" dirty="0">
+                <a:solidFill>
+                  <a:schemeClr val="bg2">
+                    <a:lumMod val="75000"/>
+                  </a:schemeClr>
+                </a:solidFill>
+                <a:latin typeface="Arial" panose="020B0604020202020204" pitchFamily="34" charset="0"/>
+              </a:rPr>
+              <a:t>© </a:t>
+            </a:r>
+            <a:r>
+              <a:rPr lang="en-GB" sz="1100" dirty="0" err="1">
+                <a:solidFill>
+                  <a:schemeClr val="bg2">
+                    <a:lumMod val="75000"/>
+                  </a:schemeClr>
+                </a:solidFill>
+                <a:latin typeface="Arial" panose="020B0604020202020204" pitchFamily="34" charset="0"/>
+              </a:rPr>
+              <a:t>Dr.</a:t>
+            </a:r>
+            <a:r>
+              <a:rPr lang="en-GB" sz="1100" dirty="0">
+                <a:solidFill>
+                  <a:schemeClr val="bg2">
+                    <a:lumMod val="75000"/>
+                  </a:schemeClr>
+                </a:solidFill>
+                <a:latin typeface="Arial" panose="020B0604020202020204" pitchFamily="34" charset="0"/>
+              </a:rPr>
+              <a:t> U. Michelucci – </a:t>
+            </a:r>
+            <a:r>
+              <a:rPr lang="en-GB" sz="1100" dirty="0" err="1">
+                <a:solidFill>
+                  <a:schemeClr val="bg2">
+                    <a:lumMod val="75000"/>
+                  </a:schemeClr>
+                </a:solidFill>
+                <a:latin typeface="Arial" panose="020B0604020202020204" pitchFamily="34" charset="0"/>
+              </a:rPr>
+              <a:t>umberto.Michelucci@hslu.ch</a:t>
+            </a:r>
+            <a:endParaRPr lang="en-GB" sz="1100" dirty="0">
+              <a:solidFill>
+                <a:schemeClr val="bg2">
+                  <a:lumMod val="75000"/>
+                </a:schemeClr>
+              </a:solidFill>
+              <a:latin typeface="Arial" panose="020B0604020202020204" pitchFamily="34" charset="0"/>
+            </a:endParaRPr>
           </a:p>
         </p:txBody>
       </p:sp>
@@ -19208,6 +20713,94 @@
               <a:rPr lang="en-GB" sz="1200"/>
               <a:t>www.py4e.com</a:t>
             </a:r>
+          </a:p>
+        </p:txBody>
+      </p:sp>
+      <p:sp>
+        <p:nvSpPr>
+          <p:cNvPr id="5" name="TextBox 4">
+            <a:extLst>
+              <a:ext uri="{FF2B5EF4-FFF2-40B4-BE49-F238E27FC236}">
+                <a16:creationId xmlns:a16="http://schemas.microsoft.com/office/drawing/2014/main" id="{A1C45AC6-BEC4-50F2-FF1A-9B7EBFDEE6F7}"/>
+              </a:ext>
+            </a:extLst>
+          </p:cNvPr>
+          <p:cNvSpPr txBox="1"/>
+          <p:nvPr/>
+        </p:nvSpPr>
+        <p:spPr>
+          <a:xfrm>
+            <a:off x="157942" y="4881890"/>
+            <a:ext cx="8695112" cy="261610"/>
+          </a:xfrm>
+          <a:prstGeom prst="rect">
+            <a:avLst/>
+          </a:prstGeom>
+          <a:noFill/>
+        </p:spPr>
+        <p:txBody>
+          <a:bodyPr wrap="square">
+            <a:spAutoFit/>
+          </a:bodyPr>
+          <a:lstStyle/>
+          <a:p>
+            <a:pPr algn="ctr">
+              <a:spcBef>
+                <a:spcPts val="0"/>
+              </a:spcBef>
+            </a:pPr>
+            <a:r>
+              <a:rPr lang="en-GB" sz="1100" dirty="0">
+                <a:solidFill>
+                  <a:schemeClr val="bg2">
+                    <a:lumMod val="75000"/>
+                  </a:schemeClr>
+                </a:solidFill>
+                <a:latin typeface="Arial" panose="020B0604020202020204" pitchFamily="34" charset="0"/>
+              </a:rPr>
+              <a:t>© </a:t>
+            </a:r>
+            <a:r>
+              <a:rPr lang="en-GB" sz="1100" dirty="0" err="1">
+                <a:solidFill>
+                  <a:schemeClr val="bg2">
+                    <a:lumMod val="75000"/>
+                  </a:schemeClr>
+                </a:solidFill>
+                <a:latin typeface="Arial" panose="020B0604020202020204" pitchFamily="34" charset="0"/>
+              </a:rPr>
+              <a:t>Dr.</a:t>
+            </a:r>
+            <a:r>
+              <a:rPr lang="en-GB" sz="1100" dirty="0">
+                <a:solidFill>
+                  <a:schemeClr val="bg2">
+                    <a:lumMod val="75000"/>
+                  </a:schemeClr>
+                </a:solidFill>
+                <a:latin typeface="Arial" panose="020B0604020202020204" pitchFamily="34" charset="0"/>
+              </a:rPr>
+              <a:t> U. Michelucci – </a:t>
+            </a:r>
+            <a:r>
+              <a:rPr lang="en-GB" sz="1100" dirty="0" err="1">
+                <a:solidFill>
+                  <a:schemeClr val="bg2">
+                    <a:lumMod val="75000"/>
+                  </a:schemeClr>
+                </a:solidFill>
+                <a:latin typeface="Arial" panose="020B0604020202020204" pitchFamily="34" charset="0"/>
+              </a:rPr>
+              <a:t>umberto.Michelucci@hslu.ch</a:t>
+            </a:r>
+            <a:endParaRPr lang="en-GB" sz="1100" dirty="0">
+              <a:solidFill>
+                <a:schemeClr val="bg2">
+                  <a:lumMod val="75000"/>
+                </a:schemeClr>
+              </a:solidFill>
+              <a:latin typeface="Arial" panose="020B0604020202020204" pitchFamily="34" charset="0"/>
+            </a:endParaRPr>
           </a:p>
         </p:txBody>
       </p:sp>
@@ -19354,6 +20947,94 @@
           <a:p>
             <a:pPr algn="ctr"/>
             <a:endParaRPr lang="en-CH"/>
+          </a:p>
+        </p:txBody>
+      </p:sp>
+      <p:sp>
+        <p:nvSpPr>
+          <p:cNvPr id="3" name="TextBox 2">
+            <a:extLst>
+              <a:ext uri="{FF2B5EF4-FFF2-40B4-BE49-F238E27FC236}">
+                <a16:creationId xmlns:a16="http://schemas.microsoft.com/office/drawing/2014/main" id="{0CCD1465-5EDA-1D4A-FAB3-D628DA623DB9}"/>
+              </a:ext>
+            </a:extLst>
+          </p:cNvPr>
+          <p:cNvSpPr txBox="1"/>
+          <p:nvPr/>
+        </p:nvSpPr>
+        <p:spPr>
+          <a:xfrm>
+            <a:off x="157942" y="4881890"/>
+            <a:ext cx="8695112" cy="261610"/>
+          </a:xfrm>
+          <a:prstGeom prst="rect">
+            <a:avLst/>
+          </a:prstGeom>
+          <a:noFill/>
+        </p:spPr>
+        <p:txBody>
+          <a:bodyPr wrap="square">
+            <a:spAutoFit/>
+          </a:bodyPr>
+          <a:lstStyle/>
+          <a:p>
+            <a:pPr algn="ctr">
+              <a:spcBef>
+                <a:spcPts val="0"/>
+              </a:spcBef>
+            </a:pPr>
+            <a:r>
+              <a:rPr lang="en-GB" sz="1100" dirty="0">
+                <a:solidFill>
+                  <a:schemeClr val="bg2">
+                    <a:lumMod val="75000"/>
+                  </a:schemeClr>
+                </a:solidFill>
+                <a:latin typeface="Arial" panose="020B0604020202020204" pitchFamily="34" charset="0"/>
+              </a:rPr>
+              <a:t>© </a:t>
+            </a:r>
+            <a:r>
+              <a:rPr lang="en-GB" sz="1100" dirty="0" err="1">
+                <a:solidFill>
+                  <a:schemeClr val="bg2">
+                    <a:lumMod val="75000"/>
+                  </a:schemeClr>
+                </a:solidFill>
+                <a:latin typeface="Arial" panose="020B0604020202020204" pitchFamily="34" charset="0"/>
+              </a:rPr>
+              <a:t>Dr.</a:t>
+            </a:r>
+            <a:r>
+              <a:rPr lang="en-GB" sz="1100" dirty="0">
+                <a:solidFill>
+                  <a:schemeClr val="bg2">
+                    <a:lumMod val="75000"/>
+                  </a:schemeClr>
+                </a:solidFill>
+                <a:latin typeface="Arial" panose="020B0604020202020204" pitchFamily="34" charset="0"/>
+              </a:rPr>
+              <a:t> U. Michelucci – </a:t>
+            </a:r>
+            <a:r>
+              <a:rPr lang="en-GB" sz="1100" dirty="0" err="1">
+                <a:solidFill>
+                  <a:schemeClr val="bg2">
+                    <a:lumMod val="75000"/>
+                  </a:schemeClr>
+                </a:solidFill>
+                <a:latin typeface="Arial" panose="020B0604020202020204" pitchFamily="34" charset="0"/>
+              </a:rPr>
+              <a:t>umberto.Michelucci@hslu.ch</a:t>
+            </a:r>
+            <a:endParaRPr lang="en-GB" sz="1100" dirty="0">
+              <a:solidFill>
+                <a:schemeClr val="bg2">
+                  <a:lumMod val="75000"/>
+                </a:schemeClr>
+              </a:solidFill>
+              <a:latin typeface="Arial" panose="020B0604020202020204" pitchFamily="34" charset="0"/>
+            </a:endParaRPr>
           </a:p>
         </p:txBody>
       </p:sp>
@@ -19986,6 +21667,94 @@
           </a:p>
         </p:txBody>
       </p:sp>
+      <p:sp>
+        <p:nvSpPr>
+          <p:cNvPr id="4" name="TextBox 3">
+            <a:extLst>
+              <a:ext uri="{FF2B5EF4-FFF2-40B4-BE49-F238E27FC236}">
+                <a16:creationId xmlns:a16="http://schemas.microsoft.com/office/drawing/2014/main" id="{36327DEB-0AA3-F6DB-04C4-30893F029FCB}"/>
+              </a:ext>
+            </a:extLst>
+          </p:cNvPr>
+          <p:cNvSpPr txBox="1"/>
+          <p:nvPr/>
+        </p:nvSpPr>
+        <p:spPr>
+          <a:xfrm>
+            <a:off x="157942" y="4881890"/>
+            <a:ext cx="8695112" cy="261610"/>
+          </a:xfrm>
+          <a:prstGeom prst="rect">
+            <a:avLst/>
+          </a:prstGeom>
+          <a:noFill/>
+        </p:spPr>
+        <p:txBody>
+          <a:bodyPr wrap="square">
+            <a:spAutoFit/>
+          </a:bodyPr>
+          <a:lstStyle/>
+          <a:p>
+            <a:pPr algn="ctr">
+              <a:spcBef>
+                <a:spcPts val="0"/>
+              </a:spcBef>
+            </a:pPr>
+            <a:r>
+              <a:rPr lang="en-GB" sz="1100" dirty="0">
+                <a:solidFill>
+                  <a:schemeClr val="bg2">
+                    <a:lumMod val="75000"/>
+                  </a:schemeClr>
+                </a:solidFill>
+                <a:latin typeface="Arial" panose="020B0604020202020204" pitchFamily="34" charset="0"/>
+              </a:rPr>
+              <a:t>© </a:t>
+            </a:r>
+            <a:r>
+              <a:rPr lang="en-GB" sz="1100" dirty="0" err="1">
+                <a:solidFill>
+                  <a:schemeClr val="bg2">
+                    <a:lumMod val="75000"/>
+                  </a:schemeClr>
+                </a:solidFill>
+                <a:latin typeface="Arial" panose="020B0604020202020204" pitchFamily="34" charset="0"/>
+              </a:rPr>
+              <a:t>Dr.</a:t>
+            </a:r>
+            <a:r>
+              <a:rPr lang="en-GB" sz="1100" dirty="0">
+                <a:solidFill>
+                  <a:schemeClr val="bg2">
+                    <a:lumMod val="75000"/>
+                  </a:schemeClr>
+                </a:solidFill>
+                <a:latin typeface="Arial" panose="020B0604020202020204" pitchFamily="34" charset="0"/>
+              </a:rPr>
+              <a:t> U. Michelucci – </a:t>
+            </a:r>
+            <a:r>
+              <a:rPr lang="en-GB" sz="1100" dirty="0" err="1">
+                <a:solidFill>
+                  <a:schemeClr val="bg2">
+                    <a:lumMod val="75000"/>
+                  </a:schemeClr>
+                </a:solidFill>
+                <a:latin typeface="Arial" panose="020B0604020202020204" pitchFamily="34" charset="0"/>
+              </a:rPr>
+              <a:t>umberto.Michelucci@hslu.ch</a:t>
+            </a:r>
+            <a:endParaRPr lang="en-GB" sz="1100" dirty="0">
+              <a:solidFill>
+                <a:schemeClr val="bg2">
+                  <a:lumMod val="75000"/>
+                </a:schemeClr>
+              </a:solidFill>
+              <a:latin typeface="Arial" panose="020B0604020202020204" pitchFamily="34" charset="0"/>
+            </a:endParaRPr>
+          </a:p>
+        </p:txBody>
+      </p:sp>
     </p:spTree>
     <p:extLst>
       <p:ext uri="{BB962C8B-B14F-4D97-AF65-F5344CB8AC3E}">
@@ -20477,6 +22246,94 @@
               <a:rPr lang="en-GB" sz="1200"/>
               <a:t>www.py4e.com</a:t>
             </a:r>
+          </a:p>
+        </p:txBody>
+      </p:sp>
+      <p:sp>
+        <p:nvSpPr>
+          <p:cNvPr id="4" name="TextBox 3">
+            <a:extLst>
+              <a:ext uri="{FF2B5EF4-FFF2-40B4-BE49-F238E27FC236}">
+                <a16:creationId xmlns:a16="http://schemas.microsoft.com/office/drawing/2014/main" id="{37B2FCF3-C65C-E4CD-434C-E8C14287E2A8}"/>
+              </a:ext>
+            </a:extLst>
+          </p:cNvPr>
+          <p:cNvSpPr txBox="1"/>
+          <p:nvPr/>
+        </p:nvSpPr>
+        <p:spPr>
+          <a:xfrm>
+            <a:off x="157942" y="4881890"/>
+            <a:ext cx="8695112" cy="261610"/>
+          </a:xfrm>
+          <a:prstGeom prst="rect">
+            <a:avLst/>
+          </a:prstGeom>
+          <a:noFill/>
+        </p:spPr>
+        <p:txBody>
+          <a:bodyPr wrap="square">
+            <a:spAutoFit/>
+          </a:bodyPr>
+          <a:lstStyle/>
+          <a:p>
+            <a:pPr algn="ctr">
+              <a:spcBef>
+                <a:spcPts val="0"/>
+              </a:spcBef>
+            </a:pPr>
+            <a:r>
+              <a:rPr lang="en-GB" sz="1100" dirty="0">
+                <a:solidFill>
+                  <a:schemeClr val="bg2">
+                    <a:lumMod val="75000"/>
+                  </a:schemeClr>
+                </a:solidFill>
+                <a:latin typeface="Arial" panose="020B0604020202020204" pitchFamily="34" charset="0"/>
+              </a:rPr>
+              <a:t>© </a:t>
+            </a:r>
+            <a:r>
+              <a:rPr lang="en-GB" sz="1100" dirty="0" err="1">
+                <a:solidFill>
+                  <a:schemeClr val="bg2">
+                    <a:lumMod val="75000"/>
+                  </a:schemeClr>
+                </a:solidFill>
+                <a:latin typeface="Arial" panose="020B0604020202020204" pitchFamily="34" charset="0"/>
+              </a:rPr>
+              <a:t>Dr.</a:t>
+            </a:r>
+            <a:r>
+              <a:rPr lang="en-GB" sz="1100" dirty="0">
+                <a:solidFill>
+                  <a:schemeClr val="bg2">
+                    <a:lumMod val="75000"/>
+                  </a:schemeClr>
+                </a:solidFill>
+                <a:latin typeface="Arial" panose="020B0604020202020204" pitchFamily="34" charset="0"/>
+              </a:rPr>
+              <a:t> U. Michelucci – </a:t>
+            </a:r>
+            <a:r>
+              <a:rPr lang="en-GB" sz="1100" dirty="0" err="1">
+                <a:solidFill>
+                  <a:schemeClr val="bg2">
+                    <a:lumMod val="75000"/>
+                  </a:schemeClr>
+                </a:solidFill>
+                <a:latin typeface="Arial" panose="020B0604020202020204" pitchFamily="34" charset="0"/>
+              </a:rPr>
+              <a:t>umberto.Michelucci@hslu.ch</a:t>
+            </a:r>
+            <a:endParaRPr lang="en-GB" sz="1100" dirty="0">
+              <a:solidFill>
+                <a:schemeClr val="bg2">
+                  <a:lumMod val="75000"/>
+                </a:schemeClr>
+              </a:solidFill>
+              <a:latin typeface="Arial" panose="020B0604020202020204" pitchFamily="34" charset="0"/>
+            </a:endParaRPr>
           </a:p>
         </p:txBody>
       </p:sp>
@@ -20760,6 +22617,94 @@
           </a:p>
         </p:txBody>
       </p:sp>
+      <p:sp>
+        <p:nvSpPr>
+          <p:cNvPr id="4" name="TextBox 3">
+            <a:extLst>
+              <a:ext uri="{FF2B5EF4-FFF2-40B4-BE49-F238E27FC236}">
+                <a16:creationId xmlns:a16="http://schemas.microsoft.com/office/drawing/2014/main" id="{9175D082-667F-3DB8-EBE5-E5D14377F0D7}"/>
+              </a:ext>
+            </a:extLst>
+          </p:cNvPr>
+          <p:cNvSpPr txBox="1"/>
+          <p:nvPr/>
+        </p:nvSpPr>
+        <p:spPr>
+          <a:xfrm>
+            <a:off x="157942" y="4881890"/>
+            <a:ext cx="8695112" cy="261610"/>
+          </a:xfrm>
+          <a:prstGeom prst="rect">
+            <a:avLst/>
+          </a:prstGeom>
+          <a:noFill/>
+        </p:spPr>
+        <p:txBody>
+          <a:bodyPr wrap="square">
+            <a:spAutoFit/>
+          </a:bodyPr>
+          <a:lstStyle/>
+          <a:p>
+            <a:pPr algn="ctr">
+              <a:spcBef>
+                <a:spcPts val="0"/>
+              </a:spcBef>
+            </a:pPr>
+            <a:r>
+              <a:rPr lang="en-GB" sz="1100" dirty="0">
+                <a:solidFill>
+                  <a:schemeClr val="bg2">
+                    <a:lumMod val="75000"/>
+                  </a:schemeClr>
+                </a:solidFill>
+                <a:latin typeface="Arial" panose="020B0604020202020204" pitchFamily="34" charset="0"/>
+              </a:rPr>
+              <a:t>© </a:t>
+            </a:r>
+            <a:r>
+              <a:rPr lang="en-GB" sz="1100" dirty="0" err="1">
+                <a:solidFill>
+                  <a:schemeClr val="bg2">
+                    <a:lumMod val="75000"/>
+                  </a:schemeClr>
+                </a:solidFill>
+                <a:latin typeface="Arial" panose="020B0604020202020204" pitchFamily="34" charset="0"/>
+              </a:rPr>
+              <a:t>Dr.</a:t>
+            </a:r>
+            <a:r>
+              <a:rPr lang="en-GB" sz="1100" dirty="0">
+                <a:solidFill>
+                  <a:schemeClr val="bg2">
+                    <a:lumMod val="75000"/>
+                  </a:schemeClr>
+                </a:solidFill>
+                <a:latin typeface="Arial" panose="020B0604020202020204" pitchFamily="34" charset="0"/>
+              </a:rPr>
+              <a:t> U. Michelucci – </a:t>
+            </a:r>
+            <a:r>
+              <a:rPr lang="en-GB" sz="1100" dirty="0" err="1">
+                <a:solidFill>
+                  <a:schemeClr val="bg2">
+                    <a:lumMod val="75000"/>
+                  </a:schemeClr>
+                </a:solidFill>
+                <a:latin typeface="Arial" panose="020B0604020202020204" pitchFamily="34" charset="0"/>
+              </a:rPr>
+              <a:t>umberto.Michelucci@hslu.ch</a:t>
+            </a:r>
+            <a:endParaRPr lang="en-GB" sz="1100" dirty="0">
+              <a:solidFill>
+                <a:schemeClr val="bg2">
+                  <a:lumMod val="75000"/>
+                </a:schemeClr>
+              </a:solidFill>
+              <a:latin typeface="Arial" panose="020B0604020202020204" pitchFamily="34" charset="0"/>
+            </a:endParaRPr>
+          </a:p>
+        </p:txBody>
+      </p:sp>
     </p:spTree>
     <p:extLst>
       <p:ext uri="{BB962C8B-B14F-4D97-AF65-F5344CB8AC3E}">
@@ -20926,6 +22871,94 @@
             <a:endParaRPr lang="en-CH">
               <a:latin typeface="Consolas" panose="020B0609020204030204" pitchFamily="49" charset="0"/>
               <a:cs typeface="Consolas" panose="020B0609020204030204" pitchFamily="49" charset="0"/>
+            </a:endParaRPr>
+          </a:p>
+        </p:txBody>
+      </p:sp>
+      <p:sp>
+        <p:nvSpPr>
+          <p:cNvPr id="4" name="TextBox 3">
+            <a:extLst>
+              <a:ext uri="{FF2B5EF4-FFF2-40B4-BE49-F238E27FC236}">
+                <a16:creationId xmlns:a16="http://schemas.microsoft.com/office/drawing/2014/main" id="{B3CD8B92-4933-61C9-5661-672B64C6F34D}"/>
+              </a:ext>
+            </a:extLst>
+          </p:cNvPr>
+          <p:cNvSpPr txBox="1"/>
+          <p:nvPr/>
+        </p:nvSpPr>
+        <p:spPr>
+          <a:xfrm>
+            <a:off x="157942" y="4881890"/>
+            <a:ext cx="8695112" cy="261610"/>
+          </a:xfrm>
+          <a:prstGeom prst="rect">
+            <a:avLst/>
+          </a:prstGeom>
+          <a:noFill/>
+        </p:spPr>
+        <p:txBody>
+          <a:bodyPr wrap="square">
+            <a:spAutoFit/>
+          </a:bodyPr>
+          <a:lstStyle/>
+          <a:p>
+            <a:pPr algn="ctr">
+              <a:spcBef>
+                <a:spcPts val="0"/>
+              </a:spcBef>
+            </a:pPr>
+            <a:r>
+              <a:rPr lang="en-GB" sz="1100" dirty="0">
+                <a:solidFill>
+                  <a:schemeClr val="bg2">
+                    <a:lumMod val="75000"/>
+                  </a:schemeClr>
+                </a:solidFill>
+                <a:latin typeface="Arial" panose="020B0604020202020204" pitchFamily="34" charset="0"/>
+              </a:rPr>
+              <a:t>© </a:t>
+            </a:r>
+            <a:r>
+              <a:rPr lang="en-GB" sz="1100" dirty="0" err="1">
+                <a:solidFill>
+                  <a:schemeClr val="bg2">
+                    <a:lumMod val="75000"/>
+                  </a:schemeClr>
+                </a:solidFill>
+                <a:latin typeface="Arial" panose="020B0604020202020204" pitchFamily="34" charset="0"/>
+              </a:rPr>
+              <a:t>Dr.</a:t>
+            </a:r>
+            <a:r>
+              <a:rPr lang="en-GB" sz="1100" dirty="0">
+                <a:solidFill>
+                  <a:schemeClr val="bg2">
+                    <a:lumMod val="75000"/>
+                  </a:schemeClr>
+                </a:solidFill>
+                <a:latin typeface="Arial" panose="020B0604020202020204" pitchFamily="34" charset="0"/>
+              </a:rPr>
+              <a:t> U. Michelucci – </a:t>
+            </a:r>
+            <a:r>
+              <a:rPr lang="en-GB" sz="1100" dirty="0" err="1">
+                <a:solidFill>
+                  <a:schemeClr val="bg2">
+                    <a:lumMod val="75000"/>
+                  </a:schemeClr>
+                </a:solidFill>
+                <a:latin typeface="Arial" panose="020B0604020202020204" pitchFamily="34" charset="0"/>
+              </a:rPr>
+              <a:t>umberto.Michelucci@hslu.ch</a:t>
+            </a:r>
+            <a:endParaRPr lang="en-GB" sz="1100" dirty="0">
+              <a:solidFill>
+                <a:schemeClr val="bg2">
+                  <a:lumMod val="75000"/>
+                </a:schemeClr>
+              </a:solidFill>
+              <a:latin typeface="Arial" panose="020B0604020202020204" pitchFamily="34" charset="0"/>
             </a:endParaRPr>
           </a:p>
         </p:txBody>
@@ -21241,6 +23274,94 @@
               <a:buNone/>
             </a:pPr>
             <a:endParaRPr lang="en-CH" dirty="0"/>
+          </a:p>
+        </p:txBody>
+      </p:sp>
+      <p:sp>
+        <p:nvSpPr>
+          <p:cNvPr id="4" name="TextBox 3">
+            <a:extLst>
+              <a:ext uri="{FF2B5EF4-FFF2-40B4-BE49-F238E27FC236}">
+                <a16:creationId xmlns:a16="http://schemas.microsoft.com/office/drawing/2014/main" id="{89DCC2A7-4133-C0EE-55AA-12DBE5F444B9}"/>
+              </a:ext>
+            </a:extLst>
+          </p:cNvPr>
+          <p:cNvSpPr txBox="1"/>
+          <p:nvPr/>
+        </p:nvSpPr>
+        <p:spPr>
+          <a:xfrm>
+            <a:off x="157942" y="4881890"/>
+            <a:ext cx="8695112" cy="261610"/>
+          </a:xfrm>
+          <a:prstGeom prst="rect">
+            <a:avLst/>
+          </a:prstGeom>
+          <a:noFill/>
+        </p:spPr>
+        <p:txBody>
+          <a:bodyPr wrap="square">
+            <a:spAutoFit/>
+          </a:bodyPr>
+          <a:lstStyle/>
+          <a:p>
+            <a:pPr algn="ctr">
+              <a:spcBef>
+                <a:spcPts val="0"/>
+              </a:spcBef>
+            </a:pPr>
+            <a:r>
+              <a:rPr lang="en-GB" sz="1100" dirty="0">
+                <a:solidFill>
+                  <a:schemeClr val="bg2">
+                    <a:lumMod val="75000"/>
+                  </a:schemeClr>
+                </a:solidFill>
+                <a:latin typeface="Arial" panose="020B0604020202020204" pitchFamily="34" charset="0"/>
+              </a:rPr>
+              <a:t>© </a:t>
+            </a:r>
+            <a:r>
+              <a:rPr lang="en-GB" sz="1100" dirty="0" err="1">
+                <a:solidFill>
+                  <a:schemeClr val="bg2">
+                    <a:lumMod val="75000"/>
+                  </a:schemeClr>
+                </a:solidFill>
+                <a:latin typeface="Arial" panose="020B0604020202020204" pitchFamily="34" charset="0"/>
+              </a:rPr>
+              <a:t>Dr.</a:t>
+            </a:r>
+            <a:r>
+              <a:rPr lang="en-GB" sz="1100" dirty="0">
+                <a:solidFill>
+                  <a:schemeClr val="bg2">
+                    <a:lumMod val="75000"/>
+                  </a:schemeClr>
+                </a:solidFill>
+                <a:latin typeface="Arial" panose="020B0604020202020204" pitchFamily="34" charset="0"/>
+              </a:rPr>
+              <a:t> U. Michelucci – </a:t>
+            </a:r>
+            <a:r>
+              <a:rPr lang="en-GB" sz="1100" dirty="0" err="1">
+                <a:solidFill>
+                  <a:schemeClr val="bg2">
+                    <a:lumMod val="75000"/>
+                  </a:schemeClr>
+                </a:solidFill>
+                <a:latin typeface="Arial" panose="020B0604020202020204" pitchFamily="34" charset="0"/>
+              </a:rPr>
+              <a:t>umberto.Michelucci@hslu.ch</a:t>
+            </a:r>
+            <a:endParaRPr lang="en-GB" sz="1100" dirty="0">
+              <a:solidFill>
+                <a:schemeClr val="bg2">
+                  <a:lumMod val="75000"/>
+                </a:schemeClr>
+              </a:solidFill>
+              <a:latin typeface="Arial" panose="020B0604020202020204" pitchFamily="34" charset="0"/>
+            </a:endParaRPr>
           </a:p>
         </p:txBody>
       </p:sp>
@@ -21556,6 +23677,94 @@
           </a:p>
         </p:txBody>
       </p:sp>
+      <p:sp>
+        <p:nvSpPr>
+          <p:cNvPr id="4" name="TextBox 3">
+            <a:extLst>
+              <a:ext uri="{FF2B5EF4-FFF2-40B4-BE49-F238E27FC236}">
+                <a16:creationId xmlns:a16="http://schemas.microsoft.com/office/drawing/2014/main" id="{A2FED76A-518F-F939-D4D7-D1F439DCF240}"/>
+              </a:ext>
+            </a:extLst>
+          </p:cNvPr>
+          <p:cNvSpPr txBox="1"/>
+          <p:nvPr/>
+        </p:nvSpPr>
+        <p:spPr>
+          <a:xfrm>
+            <a:off x="157942" y="4881890"/>
+            <a:ext cx="8695112" cy="261610"/>
+          </a:xfrm>
+          <a:prstGeom prst="rect">
+            <a:avLst/>
+          </a:prstGeom>
+          <a:noFill/>
+        </p:spPr>
+        <p:txBody>
+          <a:bodyPr wrap="square">
+            <a:spAutoFit/>
+          </a:bodyPr>
+          <a:lstStyle/>
+          <a:p>
+            <a:pPr algn="ctr">
+              <a:spcBef>
+                <a:spcPts val="0"/>
+              </a:spcBef>
+            </a:pPr>
+            <a:r>
+              <a:rPr lang="en-GB" sz="1100" dirty="0">
+                <a:solidFill>
+                  <a:schemeClr val="bg2">
+                    <a:lumMod val="75000"/>
+                  </a:schemeClr>
+                </a:solidFill>
+                <a:latin typeface="Arial" panose="020B0604020202020204" pitchFamily="34" charset="0"/>
+              </a:rPr>
+              <a:t>© </a:t>
+            </a:r>
+            <a:r>
+              <a:rPr lang="en-GB" sz="1100" dirty="0" err="1">
+                <a:solidFill>
+                  <a:schemeClr val="bg2">
+                    <a:lumMod val="75000"/>
+                  </a:schemeClr>
+                </a:solidFill>
+                <a:latin typeface="Arial" panose="020B0604020202020204" pitchFamily="34" charset="0"/>
+              </a:rPr>
+              <a:t>Dr.</a:t>
+            </a:r>
+            <a:r>
+              <a:rPr lang="en-GB" sz="1100" dirty="0">
+                <a:solidFill>
+                  <a:schemeClr val="bg2">
+                    <a:lumMod val="75000"/>
+                  </a:schemeClr>
+                </a:solidFill>
+                <a:latin typeface="Arial" panose="020B0604020202020204" pitchFamily="34" charset="0"/>
+              </a:rPr>
+              <a:t> U. Michelucci – </a:t>
+            </a:r>
+            <a:r>
+              <a:rPr lang="en-GB" sz="1100" dirty="0" err="1">
+                <a:solidFill>
+                  <a:schemeClr val="bg2">
+                    <a:lumMod val="75000"/>
+                  </a:schemeClr>
+                </a:solidFill>
+                <a:latin typeface="Arial" panose="020B0604020202020204" pitchFamily="34" charset="0"/>
+              </a:rPr>
+              <a:t>umberto.Michelucci@hslu.ch</a:t>
+            </a:r>
+            <a:endParaRPr lang="en-GB" sz="1100" dirty="0">
+              <a:solidFill>
+                <a:schemeClr val="bg2">
+                  <a:lumMod val="75000"/>
+                </a:schemeClr>
+              </a:solidFill>
+              <a:latin typeface="Arial" panose="020B0604020202020204" pitchFamily="34" charset="0"/>
+            </a:endParaRPr>
+          </a:p>
+        </p:txBody>
+      </p:sp>
     </p:spTree>
     <p:extLst>
       <p:ext uri="{BB962C8B-B14F-4D97-AF65-F5344CB8AC3E}">
@@ -21627,6 +23836,94 @@
           </a:prstGeom>
         </p:spPr>
       </p:pic>
+      <p:sp>
+        <p:nvSpPr>
+          <p:cNvPr id="2" name="TextBox 1">
+            <a:extLst>
+              <a:ext uri="{FF2B5EF4-FFF2-40B4-BE49-F238E27FC236}">
+                <a16:creationId xmlns:a16="http://schemas.microsoft.com/office/drawing/2014/main" id="{0BC1A38F-3446-232A-3217-11694D8148A8}"/>
+              </a:ext>
+            </a:extLst>
+          </p:cNvPr>
+          <p:cNvSpPr txBox="1"/>
+          <p:nvPr/>
+        </p:nvSpPr>
+        <p:spPr>
+          <a:xfrm>
+            <a:off x="157942" y="4881890"/>
+            <a:ext cx="8695112" cy="261610"/>
+          </a:xfrm>
+          <a:prstGeom prst="rect">
+            <a:avLst/>
+          </a:prstGeom>
+          <a:noFill/>
+        </p:spPr>
+        <p:txBody>
+          <a:bodyPr wrap="square">
+            <a:spAutoFit/>
+          </a:bodyPr>
+          <a:lstStyle/>
+          <a:p>
+            <a:pPr algn="ctr">
+              <a:spcBef>
+                <a:spcPts val="0"/>
+              </a:spcBef>
+            </a:pPr>
+            <a:r>
+              <a:rPr lang="en-GB" sz="1100" dirty="0">
+                <a:solidFill>
+                  <a:schemeClr val="bg2">
+                    <a:lumMod val="75000"/>
+                  </a:schemeClr>
+                </a:solidFill>
+                <a:latin typeface="Arial" panose="020B0604020202020204" pitchFamily="34" charset="0"/>
+              </a:rPr>
+              <a:t>© </a:t>
+            </a:r>
+            <a:r>
+              <a:rPr lang="en-GB" sz="1100" dirty="0" err="1">
+                <a:solidFill>
+                  <a:schemeClr val="bg2">
+                    <a:lumMod val="75000"/>
+                  </a:schemeClr>
+                </a:solidFill>
+                <a:latin typeface="Arial" panose="020B0604020202020204" pitchFamily="34" charset="0"/>
+              </a:rPr>
+              <a:t>Dr.</a:t>
+            </a:r>
+            <a:r>
+              <a:rPr lang="en-GB" sz="1100" dirty="0">
+                <a:solidFill>
+                  <a:schemeClr val="bg2">
+                    <a:lumMod val="75000"/>
+                  </a:schemeClr>
+                </a:solidFill>
+                <a:latin typeface="Arial" panose="020B0604020202020204" pitchFamily="34" charset="0"/>
+              </a:rPr>
+              <a:t> U. Michelucci – </a:t>
+            </a:r>
+            <a:r>
+              <a:rPr lang="en-GB" sz="1100" dirty="0" err="1">
+                <a:solidFill>
+                  <a:schemeClr val="bg2">
+                    <a:lumMod val="75000"/>
+                  </a:schemeClr>
+                </a:solidFill>
+                <a:latin typeface="Arial" panose="020B0604020202020204" pitchFamily="34" charset="0"/>
+              </a:rPr>
+              <a:t>umberto.Michelucci@hslu.ch</a:t>
+            </a:r>
+            <a:endParaRPr lang="en-GB" sz="1100" dirty="0">
+              <a:solidFill>
+                <a:schemeClr val="bg2">
+                  <a:lumMod val="75000"/>
+                </a:schemeClr>
+              </a:solidFill>
+              <a:latin typeface="Arial" panose="020B0604020202020204" pitchFamily="34" charset="0"/>
+            </a:endParaRPr>
+          </a:p>
+        </p:txBody>
+      </p:sp>
     </p:spTree>
     <p:extLst>
       <p:ext uri="{BB962C8B-B14F-4D97-AF65-F5344CB8AC3E}">
@@ -21767,7 +24064,7 @@
         </p:nvSpPr>
         <p:spPr>
           <a:xfrm>
-            <a:off x="43703" y="4866501"/>
+            <a:off x="43703" y="4592656"/>
             <a:ext cx="8471647" cy="276999"/>
           </a:xfrm>
           <a:prstGeom prst="rect">
@@ -21790,6 +24087,94 @@
               <a:t>https://python-course.eu/numerical-programming/introduction-to-numpy.php</a:t>
             </a:r>
             <a:endParaRPr lang="en-CH" sz="1200"/>
+          </a:p>
+        </p:txBody>
+      </p:sp>
+      <p:sp>
+        <p:nvSpPr>
+          <p:cNvPr id="5" name="TextBox 4">
+            <a:extLst>
+              <a:ext uri="{FF2B5EF4-FFF2-40B4-BE49-F238E27FC236}">
+                <a16:creationId xmlns:a16="http://schemas.microsoft.com/office/drawing/2014/main" id="{EC25D1B5-4342-256B-84B4-0FBE583568D9}"/>
+              </a:ext>
+            </a:extLst>
+          </p:cNvPr>
+          <p:cNvSpPr txBox="1"/>
+          <p:nvPr/>
+        </p:nvSpPr>
+        <p:spPr>
+          <a:xfrm>
+            <a:off x="157942" y="4881890"/>
+            <a:ext cx="8695112" cy="261610"/>
+          </a:xfrm>
+          <a:prstGeom prst="rect">
+            <a:avLst/>
+          </a:prstGeom>
+          <a:noFill/>
+        </p:spPr>
+        <p:txBody>
+          <a:bodyPr wrap="square">
+            <a:spAutoFit/>
+          </a:bodyPr>
+          <a:lstStyle/>
+          <a:p>
+            <a:pPr algn="ctr">
+              <a:spcBef>
+                <a:spcPts val="0"/>
+              </a:spcBef>
+            </a:pPr>
+            <a:r>
+              <a:rPr lang="en-GB" sz="1100" dirty="0">
+                <a:solidFill>
+                  <a:schemeClr val="bg2">
+                    <a:lumMod val="75000"/>
+                  </a:schemeClr>
+                </a:solidFill>
+                <a:latin typeface="Arial" panose="020B0604020202020204" pitchFamily="34" charset="0"/>
+              </a:rPr>
+              <a:t>© </a:t>
+            </a:r>
+            <a:r>
+              <a:rPr lang="en-GB" sz="1100" dirty="0" err="1">
+                <a:solidFill>
+                  <a:schemeClr val="bg2">
+                    <a:lumMod val="75000"/>
+                  </a:schemeClr>
+                </a:solidFill>
+                <a:latin typeface="Arial" panose="020B0604020202020204" pitchFamily="34" charset="0"/>
+              </a:rPr>
+              <a:t>Dr.</a:t>
+            </a:r>
+            <a:r>
+              <a:rPr lang="en-GB" sz="1100" dirty="0">
+                <a:solidFill>
+                  <a:schemeClr val="bg2">
+                    <a:lumMod val="75000"/>
+                  </a:schemeClr>
+                </a:solidFill>
+                <a:latin typeface="Arial" panose="020B0604020202020204" pitchFamily="34" charset="0"/>
+              </a:rPr>
+              <a:t> U. Michelucci – </a:t>
+            </a:r>
+            <a:r>
+              <a:rPr lang="en-GB" sz="1100" dirty="0" err="1">
+                <a:solidFill>
+                  <a:schemeClr val="bg2">
+                    <a:lumMod val="75000"/>
+                  </a:schemeClr>
+                </a:solidFill>
+                <a:latin typeface="Arial" panose="020B0604020202020204" pitchFamily="34" charset="0"/>
+              </a:rPr>
+              <a:t>umberto.Michelucci@hslu.ch</a:t>
+            </a:r>
+            <a:endParaRPr lang="en-GB" sz="1100" dirty="0">
+              <a:solidFill>
+                <a:schemeClr val="bg2">
+                  <a:lumMod val="75000"/>
+                </a:schemeClr>
+              </a:solidFill>
+              <a:latin typeface="Arial" panose="020B0604020202020204" pitchFamily="34" charset="0"/>
+            </a:endParaRPr>
           </a:p>
         </p:txBody>
       </p:sp>
@@ -21942,7 +24327,7 @@
         </p:nvSpPr>
         <p:spPr>
           <a:xfrm>
-            <a:off x="43703" y="4866501"/>
+            <a:off x="43703" y="4494223"/>
             <a:ext cx="8471647" cy="276999"/>
           </a:xfrm>
           <a:prstGeom prst="rect">
@@ -21965,6 +24350,94 @@
               <a:t>https://python-course.eu/numerical-programming/introduction-to-numpy.php</a:t>
             </a:r>
             <a:endParaRPr lang="en-CH" sz="1200"/>
+          </a:p>
+        </p:txBody>
+      </p:sp>
+      <p:sp>
+        <p:nvSpPr>
+          <p:cNvPr id="6" name="TextBox 5">
+            <a:extLst>
+              <a:ext uri="{FF2B5EF4-FFF2-40B4-BE49-F238E27FC236}">
+                <a16:creationId xmlns:a16="http://schemas.microsoft.com/office/drawing/2014/main" id="{1C9FC449-D51A-D6E2-5242-0EF44B2C759F}"/>
+              </a:ext>
+            </a:extLst>
+          </p:cNvPr>
+          <p:cNvSpPr txBox="1"/>
+          <p:nvPr/>
+        </p:nvSpPr>
+        <p:spPr>
+          <a:xfrm>
+            <a:off x="157942" y="4881890"/>
+            <a:ext cx="8695112" cy="261610"/>
+          </a:xfrm>
+          <a:prstGeom prst="rect">
+            <a:avLst/>
+          </a:prstGeom>
+          <a:noFill/>
+        </p:spPr>
+        <p:txBody>
+          <a:bodyPr wrap="square">
+            <a:spAutoFit/>
+          </a:bodyPr>
+          <a:lstStyle/>
+          <a:p>
+            <a:pPr algn="ctr">
+              <a:spcBef>
+                <a:spcPts val="0"/>
+              </a:spcBef>
+            </a:pPr>
+            <a:r>
+              <a:rPr lang="en-GB" sz="1100" dirty="0">
+                <a:solidFill>
+                  <a:schemeClr val="bg2">
+                    <a:lumMod val="75000"/>
+                  </a:schemeClr>
+                </a:solidFill>
+                <a:latin typeface="Arial" panose="020B0604020202020204" pitchFamily="34" charset="0"/>
+              </a:rPr>
+              <a:t>© </a:t>
+            </a:r>
+            <a:r>
+              <a:rPr lang="en-GB" sz="1100" dirty="0" err="1">
+                <a:solidFill>
+                  <a:schemeClr val="bg2">
+                    <a:lumMod val="75000"/>
+                  </a:schemeClr>
+                </a:solidFill>
+                <a:latin typeface="Arial" panose="020B0604020202020204" pitchFamily="34" charset="0"/>
+              </a:rPr>
+              <a:t>Dr.</a:t>
+            </a:r>
+            <a:r>
+              <a:rPr lang="en-GB" sz="1100" dirty="0">
+                <a:solidFill>
+                  <a:schemeClr val="bg2">
+                    <a:lumMod val="75000"/>
+                  </a:schemeClr>
+                </a:solidFill>
+                <a:latin typeface="Arial" panose="020B0604020202020204" pitchFamily="34" charset="0"/>
+              </a:rPr>
+              <a:t> U. Michelucci – </a:t>
+            </a:r>
+            <a:r>
+              <a:rPr lang="en-GB" sz="1100" dirty="0" err="1">
+                <a:solidFill>
+                  <a:schemeClr val="bg2">
+                    <a:lumMod val="75000"/>
+                  </a:schemeClr>
+                </a:solidFill>
+                <a:latin typeface="Arial" panose="020B0604020202020204" pitchFamily="34" charset="0"/>
+              </a:rPr>
+              <a:t>umberto.Michelucci@hslu.ch</a:t>
+            </a:r>
+            <a:endParaRPr lang="en-GB" sz="1100" dirty="0">
+              <a:solidFill>
+                <a:schemeClr val="bg2">
+                  <a:lumMod val="75000"/>
+                </a:schemeClr>
+              </a:solidFill>
+              <a:latin typeface="Arial" panose="020B0604020202020204" pitchFamily="34" charset="0"/>
+            </a:endParaRPr>
           </a:p>
         </p:txBody>
       </p:sp>
@@ -22026,6 +24499,94 @@
           </a:p>
         </p:txBody>
       </p:sp>
+      <p:sp>
+        <p:nvSpPr>
+          <p:cNvPr id="3" name="TextBox 2">
+            <a:extLst>
+              <a:ext uri="{FF2B5EF4-FFF2-40B4-BE49-F238E27FC236}">
+                <a16:creationId xmlns:a16="http://schemas.microsoft.com/office/drawing/2014/main" id="{80993CE2-24BD-89C5-474C-2C37C4BC1067}"/>
+              </a:ext>
+            </a:extLst>
+          </p:cNvPr>
+          <p:cNvSpPr txBox="1"/>
+          <p:nvPr/>
+        </p:nvSpPr>
+        <p:spPr>
+          <a:xfrm>
+            <a:off x="157942" y="4881890"/>
+            <a:ext cx="8695112" cy="261610"/>
+          </a:xfrm>
+          <a:prstGeom prst="rect">
+            <a:avLst/>
+          </a:prstGeom>
+          <a:noFill/>
+        </p:spPr>
+        <p:txBody>
+          <a:bodyPr wrap="square">
+            <a:spAutoFit/>
+          </a:bodyPr>
+          <a:lstStyle/>
+          <a:p>
+            <a:pPr algn="ctr">
+              <a:spcBef>
+                <a:spcPts val="0"/>
+              </a:spcBef>
+            </a:pPr>
+            <a:r>
+              <a:rPr lang="en-GB" sz="1100" dirty="0">
+                <a:solidFill>
+                  <a:schemeClr val="bg2">
+                    <a:lumMod val="75000"/>
+                  </a:schemeClr>
+                </a:solidFill>
+                <a:latin typeface="Arial" panose="020B0604020202020204" pitchFamily="34" charset="0"/>
+              </a:rPr>
+              <a:t>© </a:t>
+            </a:r>
+            <a:r>
+              <a:rPr lang="en-GB" sz="1100" dirty="0" err="1">
+                <a:solidFill>
+                  <a:schemeClr val="bg2">
+                    <a:lumMod val="75000"/>
+                  </a:schemeClr>
+                </a:solidFill>
+                <a:latin typeface="Arial" panose="020B0604020202020204" pitchFamily="34" charset="0"/>
+              </a:rPr>
+              <a:t>Dr.</a:t>
+            </a:r>
+            <a:r>
+              <a:rPr lang="en-GB" sz="1100" dirty="0">
+                <a:solidFill>
+                  <a:schemeClr val="bg2">
+                    <a:lumMod val="75000"/>
+                  </a:schemeClr>
+                </a:solidFill>
+                <a:latin typeface="Arial" panose="020B0604020202020204" pitchFamily="34" charset="0"/>
+              </a:rPr>
+              <a:t> U. Michelucci – </a:t>
+            </a:r>
+            <a:r>
+              <a:rPr lang="en-GB" sz="1100" dirty="0" err="1">
+                <a:solidFill>
+                  <a:schemeClr val="bg2">
+                    <a:lumMod val="75000"/>
+                  </a:schemeClr>
+                </a:solidFill>
+                <a:latin typeface="Arial" panose="020B0604020202020204" pitchFamily="34" charset="0"/>
+              </a:rPr>
+              <a:t>umberto.Michelucci@hslu.ch</a:t>
+            </a:r>
+            <a:endParaRPr lang="en-GB" sz="1100" dirty="0">
+              <a:solidFill>
+                <a:schemeClr val="bg2">
+                  <a:lumMod val="75000"/>
+                </a:schemeClr>
+              </a:solidFill>
+              <a:latin typeface="Arial" panose="020B0604020202020204" pitchFamily="34" charset="0"/>
+            </a:endParaRPr>
+          </a:p>
+        </p:txBody>
+      </p:sp>
     </p:spTree>
     <p:extLst>
       <p:ext uri="{BB962C8B-B14F-4D97-AF65-F5344CB8AC3E}">
@@ -22190,7 +24751,7 @@
         </p:nvSpPr>
         <p:spPr>
           <a:xfrm>
-            <a:off x="317376" y="4802178"/>
+            <a:off x="317376" y="4536171"/>
             <a:ext cx="8509247" cy="276999"/>
           </a:xfrm>
           <a:prstGeom prst="rect">
@@ -22205,15 +24766,103 @@
           <a:lstStyle/>
           <a:p>
             <a:r>
-              <a:rPr lang="en-GB" sz="1200">
+              <a:rPr lang="en-GB" sz="1200" dirty="0">
                 <a:latin typeface="Arial" panose="020B0604020202020204" pitchFamily="34" charset="0"/>
                 <a:cs typeface="Arial" panose="020B0604020202020204" pitchFamily="34" charset="0"/>
               </a:rPr>
               <a:t>National Academies of Sciences, Engineering, and Medicine. "Reproducibility and replicability in science." (2019).</a:t>
             </a:r>
-            <a:endParaRPr lang="en-CH" sz="1200">
+            <a:endParaRPr lang="en-CH" sz="1200" dirty="0">
               <a:latin typeface="Arial" panose="020B0604020202020204" pitchFamily="34" charset="0"/>
               <a:cs typeface="Arial" panose="020B0604020202020204" pitchFamily="34" charset="0"/>
+            </a:endParaRPr>
+          </a:p>
+        </p:txBody>
+      </p:sp>
+      <p:sp>
+        <p:nvSpPr>
+          <p:cNvPr id="4" name="TextBox 3">
+            <a:extLst>
+              <a:ext uri="{FF2B5EF4-FFF2-40B4-BE49-F238E27FC236}">
+                <a16:creationId xmlns:a16="http://schemas.microsoft.com/office/drawing/2014/main" id="{DDB1A59E-2AA8-E072-EC12-05157984D9A5}"/>
+              </a:ext>
+            </a:extLst>
+          </p:cNvPr>
+          <p:cNvSpPr txBox="1"/>
+          <p:nvPr/>
+        </p:nvSpPr>
+        <p:spPr>
+          <a:xfrm>
+            <a:off x="157942" y="4881890"/>
+            <a:ext cx="8695112" cy="261610"/>
+          </a:xfrm>
+          <a:prstGeom prst="rect">
+            <a:avLst/>
+          </a:prstGeom>
+          <a:noFill/>
+        </p:spPr>
+        <p:txBody>
+          <a:bodyPr wrap="square">
+            <a:spAutoFit/>
+          </a:bodyPr>
+          <a:lstStyle/>
+          <a:p>
+            <a:pPr algn="ctr">
+              <a:spcBef>
+                <a:spcPts val="0"/>
+              </a:spcBef>
+            </a:pPr>
+            <a:r>
+              <a:rPr lang="en-GB" sz="1100" dirty="0">
+                <a:solidFill>
+                  <a:schemeClr val="bg2">
+                    <a:lumMod val="75000"/>
+                  </a:schemeClr>
+                </a:solidFill>
+                <a:latin typeface="Arial" panose="020B0604020202020204" pitchFamily="34" charset="0"/>
+              </a:rPr>
+              <a:t>© </a:t>
+            </a:r>
+            <a:r>
+              <a:rPr lang="en-GB" sz="1100" dirty="0" err="1">
+                <a:solidFill>
+                  <a:schemeClr val="bg2">
+                    <a:lumMod val="75000"/>
+                  </a:schemeClr>
+                </a:solidFill>
+                <a:latin typeface="Arial" panose="020B0604020202020204" pitchFamily="34" charset="0"/>
+              </a:rPr>
+              <a:t>Dr.</a:t>
+            </a:r>
+            <a:r>
+              <a:rPr lang="en-GB" sz="1100" dirty="0">
+                <a:solidFill>
+                  <a:schemeClr val="bg2">
+                    <a:lumMod val="75000"/>
+                  </a:schemeClr>
+                </a:solidFill>
+                <a:latin typeface="Arial" panose="020B0604020202020204" pitchFamily="34" charset="0"/>
+              </a:rPr>
+              <a:t> U. Michelucci – </a:t>
+            </a:r>
+            <a:r>
+              <a:rPr lang="en-GB" sz="1100" dirty="0" err="1">
+                <a:solidFill>
+                  <a:schemeClr val="bg2">
+                    <a:lumMod val="75000"/>
+                  </a:schemeClr>
+                </a:solidFill>
+                <a:latin typeface="Arial" panose="020B0604020202020204" pitchFamily="34" charset="0"/>
+              </a:rPr>
+              <a:t>umberto.Michelucci@hslu.ch</a:t>
+            </a:r>
+            <a:endParaRPr lang="en-GB" sz="1100" dirty="0">
+              <a:solidFill>
+                <a:schemeClr val="bg2">
+                  <a:lumMod val="75000"/>
+                </a:schemeClr>
+              </a:solidFill>
+              <a:latin typeface="Arial" panose="020B0604020202020204" pitchFamily="34" charset="0"/>
             </a:endParaRPr>
           </a:p>
         </p:txBody>
@@ -22584,6 +25233,94 @@
           </a:p>
         </p:txBody>
       </p:sp>
+      <p:sp>
+        <p:nvSpPr>
+          <p:cNvPr id="4" name="TextBox 3">
+            <a:extLst>
+              <a:ext uri="{FF2B5EF4-FFF2-40B4-BE49-F238E27FC236}">
+                <a16:creationId xmlns:a16="http://schemas.microsoft.com/office/drawing/2014/main" id="{7CEB5716-AE8F-8C57-773D-6A5D4EEA4E58}"/>
+              </a:ext>
+            </a:extLst>
+          </p:cNvPr>
+          <p:cNvSpPr txBox="1"/>
+          <p:nvPr/>
+        </p:nvSpPr>
+        <p:spPr>
+          <a:xfrm>
+            <a:off x="157942" y="4881890"/>
+            <a:ext cx="8695112" cy="261610"/>
+          </a:xfrm>
+          <a:prstGeom prst="rect">
+            <a:avLst/>
+          </a:prstGeom>
+          <a:noFill/>
+        </p:spPr>
+        <p:txBody>
+          <a:bodyPr wrap="square">
+            <a:spAutoFit/>
+          </a:bodyPr>
+          <a:lstStyle/>
+          <a:p>
+            <a:pPr algn="ctr">
+              <a:spcBef>
+                <a:spcPts val="0"/>
+              </a:spcBef>
+            </a:pPr>
+            <a:r>
+              <a:rPr lang="en-GB" sz="1100" dirty="0">
+                <a:solidFill>
+                  <a:schemeClr val="bg2">
+                    <a:lumMod val="75000"/>
+                  </a:schemeClr>
+                </a:solidFill>
+                <a:latin typeface="Arial" panose="020B0604020202020204" pitchFamily="34" charset="0"/>
+              </a:rPr>
+              <a:t>© </a:t>
+            </a:r>
+            <a:r>
+              <a:rPr lang="en-GB" sz="1100" dirty="0" err="1">
+                <a:solidFill>
+                  <a:schemeClr val="bg2">
+                    <a:lumMod val="75000"/>
+                  </a:schemeClr>
+                </a:solidFill>
+                <a:latin typeface="Arial" panose="020B0604020202020204" pitchFamily="34" charset="0"/>
+              </a:rPr>
+              <a:t>Dr.</a:t>
+            </a:r>
+            <a:r>
+              <a:rPr lang="en-GB" sz="1100" dirty="0">
+                <a:solidFill>
+                  <a:schemeClr val="bg2">
+                    <a:lumMod val="75000"/>
+                  </a:schemeClr>
+                </a:solidFill>
+                <a:latin typeface="Arial" panose="020B0604020202020204" pitchFamily="34" charset="0"/>
+              </a:rPr>
+              <a:t> U. Michelucci – </a:t>
+            </a:r>
+            <a:r>
+              <a:rPr lang="en-GB" sz="1100" dirty="0" err="1">
+                <a:solidFill>
+                  <a:schemeClr val="bg2">
+                    <a:lumMod val="75000"/>
+                  </a:schemeClr>
+                </a:solidFill>
+                <a:latin typeface="Arial" panose="020B0604020202020204" pitchFamily="34" charset="0"/>
+              </a:rPr>
+              <a:t>umberto.Michelucci@hslu.ch</a:t>
+            </a:r>
+            <a:endParaRPr lang="en-GB" sz="1100" dirty="0">
+              <a:solidFill>
+                <a:schemeClr val="bg2">
+                  <a:lumMod val="75000"/>
+                </a:schemeClr>
+              </a:solidFill>
+              <a:latin typeface="Arial" panose="020B0604020202020204" pitchFamily="34" charset="0"/>
+            </a:endParaRPr>
+          </a:p>
+        </p:txBody>
+      </p:sp>
     </p:spTree>
     <p:extLst>
       <p:ext uri="{BB962C8B-B14F-4D97-AF65-F5344CB8AC3E}">
@@ -22808,6 +25545,94 @@
           </a:prstGeom>
         </p:spPr>
       </p:pic>
+      <p:sp>
+        <p:nvSpPr>
+          <p:cNvPr id="3" name="TextBox 2">
+            <a:extLst>
+              <a:ext uri="{FF2B5EF4-FFF2-40B4-BE49-F238E27FC236}">
+                <a16:creationId xmlns:a16="http://schemas.microsoft.com/office/drawing/2014/main" id="{AB1D514C-4B76-2DE0-BE67-51C3A5906965}"/>
+              </a:ext>
+            </a:extLst>
+          </p:cNvPr>
+          <p:cNvSpPr txBox="1"/>
+          <p:nvPr/>
+        </p:nvSpPr>
+        <p:spPr>
+          <a:xfrm>
+            <a:off x="157942" y="4881890"/>
+            <a:ext cx="8695112" cy="261610"/>
+          </a:xfrm>
+          <a:prstGeom prst="rect">
+            <a:avLst/>
+          </a:prstGeom>
+          <a:noFill/>
+        </p:spPr>
+        <p:txBody>
+          <a:bodyPr wrap="square">
+            <a:spAutoFit/>
+          </a:bodyPr>
+          <a:lstStyle/>
+          <a:p>
+            <a:pPr algn="ctr">
+              <a:spcBef>
+                <a:spcPts val="0"/>
+              </a:spcBef>
+            </a:pPr>
+            <a:r>
+              <a:rPr lang="en-GB" sz="1100" dirty="0">
+                <a:solidFill>
+                  <a:schemeClr val="bg2">
+                    <a:lumMod val="75000"/>
+                  </a:schemeClr>
+                </a:solidFill>
+                <a:latin typeface="Arial" panose="020B0604020202020204" pitchFamily="34" charset="0"/>
+              </a:rPr>
+              <a:t>© </a:t>
+            </a:r>
+            <a:r>
+              <a:rPr lang="en-GB" sz="1100" dirty="0" err="1">
+                <a:solidFill>
+                  <a:schemeClr val="bg2">
+                    <a:lumMod val="75000"/>
+                  </a:schemeClr>
+                </a:solidFill>
+                <a:latin typeface="Arial" panose="020B0604020202020204" pitchFamily="34" charset="0"/>
+              </a:rPr>
+              <a:t>Dr.</a:t>
+            </a:r>
+            <a:r>
+              <a:rPr lang="en-GB" sz="1100" dirty="0">
+                <a:solidFill>
+                  <a:schemeClr val="bg2">
+                    <a:lumMod val="75000"/>
+                  </a:schemeClr>
+                </a:solidFill>
+                <a:latin typeface="Arial" panose="020B0604020202020204" pitchFamily="34" charset="0"/>
+              </a:rPr>
+              <a:t> U. Michelucci – </a:t>
+            </a:r>
+            <a:r>
+              <a:rPr lang="en-GB" sz="1100" dirty="0" err="1">
+                <a:solidFill>
+                  <a:schemeClr val="bg2">
+                    <a:lumMod val="75000"/>
+                  </a:schemeClr>
+                </a:solidFill>
+                <a:latin typeface="Arial" panose="020B0604020202020204" pitchFamily="34" charset="0"/>
+              </a:rPr>
+              <a:t>umberto.Michelucci@hslu.ch</a:t>
+            </a:r>
+            <a:endParaRPr lang="en-GB" sz="1100" dirty="0">
+              <a:solidFill>
+                <a:schemeClr val="bg2">
+                  <a:lumMod val="75000"/>
+                </a:schemeClr>
+              </a:solidFill>
+              <a:latin typeface="Arial" panose="020B0604020202020204" pitchFamily="34" charset="0"/>
+            </a:endParaRPr>
+          </a:p>
+        </p:txBody>
+      </p:sp>
     </p:spTree>
     <p:extLst>
       <p:ext uri="{BB962C8B-B14F-4D97-AF65-F5344CB8AC3E}">
@@ -22945,6 +25770,94 @@
           </a:extLst>
         </p:spPr>
       </p:pic>
+      <p:sp>
+        <p:nvSpPr>
+          <p:cNvPr id="4" name="TextBox 3">
+            <a:extLst>
+              <a:ext uri="{FF2B5EF4-FFF2-40B4-BE49-F238E27FC236}">
+                <a16:creationId xmlns:a16="http://schemas.microsoft.com/office/drawing/2014/main" id="{925B0A47-AEDD-3329-AF97-014362183E30}"/>
+              </a:ext>
+            </a:extLst>
+          </p:cNvPr>
+          <p:cNvSpPr txBox="1"/>
+          <p:nvPr/>
+        </p:nvSpPr>
+        <p:spPr>
+          <a:xfrm>
+            <a:off x="157942" y="4881890"/>
+            <a:ext cx="8695112" cy="261610"/>
+          </a:xfrm>
+          <a:prstGeom prst="rect">
+            <a:avLst/>
+          </a:prstGeom>
+          <a:noFill/>
+        </p:spPr>
+        <p:txBody>
+          <a:bodyPr wrap="square">
+            <a:spAutoFit/>
+          </a:bodyPr>
+          <a:lstStyle/>
+          <a:p>
+            <a:pPr algn="ctr">
+              <a:spcBef>
+                <a:spcPts val="0"/>
+              </a:spcBef>
+            </a:pPr>
+            <a:r>
+              <a:rPr lang="en-GB" sz="1100" dirty="0">
+                <a:solidFill>
+                  <a:schemeClr val="bg2">
+                    <a:lumMod val="75000"/>
+                  </a:schemeClr>
+                </a:solidFill>
+                <a:latin typeface="Arial" panose="020B0604020202020204" pitchFamily="34" charset="0"/>
+              </a:rPr>
+              <a:t>© </a:t>
+            </a:r>
+            <a:r>
+              <a:rPr lang="en-GB" sz="1100" dirty="0" err="1">
+                <a:solidFill>
+                  <a:schemeClr val="bg2">
+                    <a:lumMod val="75000"/>
+                  </a:schemeClr>
+                </a:solidFill>
+                <a:latin typeface="Arial" panose="020B0604020202020204" pitchFamily="34" charset="0"/>
+              </a:rPr>
+              <a:t>Dr.</a:t>
+            </a:r>
+            <a:r>
+              <a:rPr lang="en-GB" sz="1100" dirty="0">
+                <a:solidFill>
+                  <a:schemeClr val="bg2">
+                    <a:lumMod val="75000"/>
+                  </a:schemeClr>
+                </a:solidFill>
+                <a:latin typeface="Arial" panose="020B0604020202020204" pitchFamily="34" charset="0"/>
+              </a:rPr>
+              <a:t> U. Michelucci – </a:t>
+            </a:r>
+            <a:r>
+              <a:rPr lang="en-GB" sz="1100" dirty="0" err="1">
+                <a:solidFill>
+                  <a:schemeClr val="bg2">
+                    <a:lumMod val="75000"/>
+                  </a:schemeClr>
+                </a:solidFill>
+                <a:latin typeface="Arial" panose="020B0604020202020204" pitchFamily="34" charset="0"/>
+              </a:rPr>
+              <a:t>umberto.Michelucci@hslu.ch</a:t>
+            </a:r>
+            <a:endParaRPr lang="en-GB" sz="1100" dirty="0">
+              <a:solidFill>
+                <a:schemeClr val="bg2">
+                  <a:lumMod val="75000"/>
+                </a:schemeClr>
+              </a:solidFill>
+              <a:latin typeface="Arial" panose="020B0604020202020204" pitchFamily="34" charset="0"/>
+            </a:endParaRPr>
+          </a:p>
+        </p:txBody>
+      </p:sp>
     </p:spTree>
     <p:extLst>
       <p:ext uri="{BB962C8B-B14F-4D97-AF65-F5344CB8AC3E}">
@@ -23058,6 +25971,94 @@
               <a:t> </a:t>
             </a:r>
             <a:endParaRPr lang="en-CH"/>
+          </a:p>
+        </p:txBody>
+      </p:sp>
+      <p:sp>
+        <p:nvSpPr>
+          <p:cNvPr id="4" name="TextBox 3">
+            <a:extLst>
+              <a:ext uri="{FF2B5EF4-FFF2-40B4-BE49-F238E27FC236}">
+                <a16:creationId xmlns:a16="http://schemas.microsoft.com/office/drawing/2014/main" id="{57FB4243-B09B-C2B0-1F03-EC56ECC68EF8}"/>
+              </a:ext>
+            </a:extLst>
+          </p:cNvPr>
+          <p:cNvSpPr txBox="1"/>
+          <p:nvPr/>
+        </p:nvSpPr>
+        <p:spPr>
+          <a:xfrm>
+            <a:off x="157942" y="4881890"/>
+            <a:ext cx="8695112" cy="261610"/>
+          </a:xfrm>
+          <a:prstGeom prst="rect">
+            <a:avLst/>
+          </a:prstGeom>
+          <a:noFill/>
+        </p:spPr>
+        <p:txBody>
+          <a:bodyPr wrap="square">
+            <a:spAutoFit/>
+          </a:bodyPr>
+          <a:lstStyle/>
+          <a:p>
+            <a:pPr algn="ctr">
+              <a:spcBef>
+                <a:spcPts val="0"/>
+              </a:spcBef>
+            </a:pPr>
+            <a:r>
+              <a:rPr lang="en-GB" sz="1100" dirty="0">
+                <a:solidFill>
+                  <a:schemeClr val="bg2">
+                    <a:lumMod val="75000"/>
+                  </a:schemeClr>
+                </a:solidFill>
+                <a:latin typeface="Arial" panose="020B0604020202020204" pitchFamily="34" charset="0"/>
+              </a:rPr>
+              <a:t>© </a:t>
+            </a:r>
+            <a:r>
+              <a:rPr lang="en-GB" sz="1100" dirty="0" err="1">
+                <a:solidFill>
+                  <a:schemeClr val="bg2">
+                    <a:lumMod val="75000"/>
+                  </a:schemeClr>
+                </a:solidFill>
+                <a:latin typeface="Arial" panose="020B0604020202020204" pitchFamily="34" charset="0"/>
+              </a:rPr>
+              <a:t>Dr.</a:t>
+            </a:r>
+            <a:r>
+              <a:rPr lang="en-GB" sz="1100" dirty="0">
+                <a:solidFill>
+                  <a:schemeClr val="bg2">
+                    <a:lumMod val="75000"/>
+                  </a:schemeClr>
+                </a:solidFill>
+                <a:latin typeface="Arial" panose="020B0604020202020204" pitchFamily="34" charset="0"/>
+              </a:rPr>
+              <a:t> U. Michelucci – </a:t>
+            </a:r>
+            <a:r>
+              <a:rPr lang="en-GB" sz="1100" dirty="0" err="1">
+                <a:solidFill>
+                  <a:schemeClr val="bg2">
+                    <a:lumMod val="75000"/>
+                  </a:schemeClr>
+                </a:solidFill>
+                <a:latin typeface="Arial" panose="020B0604020202020204" pitchFamily="34" charset="0"/>
+              </a:rPr>
+              <a:t>umberto.Michelucci@hslu.ch</a:t>
+            </a:r>
+            <a:endParaRPr lang="en-GB" sz="1100" dirty="0">
+              <a:solidFill>
+                <a:schemeClr val="bg2">
+                  <a:lumMod val="75000"/>
+                </a:schemeClr>
+              </a:solidFill>
+              <a:latin typeface="Arial" panose="020B0604020202020204" pitchFamily="34" charset="0"/>
+            </a:endParaRPr>
           </a:p>
         </p:txBody>
       </p:sp>
@@ -23188,6 +26189,94 @@
           </a:p>
         </p:txBody>
       </p:sp>
+      <p:sp>
+        <p:nvSpPr>
+          <p:cNvPr id="4" name="TextBox 3">
+            <a:extLst>
+              <a:ext uri="{FF2B5EF4-FFF2-40B4-BE49-F238E27FC236}">
+                <a16:creationId xmlns:a16="http://schemas.microsoft.com/office/drawing/2014/main" id="{E60F507C-EAA4-CE0F-3E31-69EA76B913DD}"/>
+              </a:ext>
+            </a:extLst>
+          </p:cNvPr>
+          <p:cNvSpPr txBox="1"/>
+          <p:nvPr/>
+        </p:nvSpPr>
+        <p:spPr>
+          <a:xfrm>
+            <a:off x="157942" y="4881890"/>
+            <a:ext cx="8695112" cy="261610"/>
+          </a:xfrm>
+          <a:prstGeom prst="rect">
+            <a:avLst/>
+          </a:prstGeom>
+          <a:noFill/>
+        </p:spPr>
+        <p:txBody>
+          <a:bodyPr wrap="square">
+            <a:spAutoFit/>
+          </a:bodyPr>
+          <a:lstStyle/>
+          <a:p>
+            <a:pPr algn="ctr">
+              <a:spcBef>
+                <a:spcPts val="0"/>
+              </a:spcBef>
+            </a:pPr>
+            <a:r>
+              <a:rPr lang="en-GB" sz="1100" dirty="0">
+                <a:solidFill>
+                  <a:schemeClr val="bg2">
+                    <a:lumMod val="75000"/>
+                  </a:schemeClr>
+                </a:solidFill>
+                <a:latin typeface="Arial" panose="020B0604020202020204" pitchFamily="34" charset="0"/>
+              </a:rPr>
+              <a:t>© </a:t>
+            </a:r>
+            <a:r>
+              <a:rPr lang="en-GB" sz="1100" dirty="0" err="1">
+                <a:solidFill>
+                  <a:schemeClr val="bg2">
+                    <a:lumMod val="75000"/>
+                  </a:schemeClr>
+                </a:solidFill>
+                <a:latin typeface="Arial" panose="020B0604020202020204" pitchFamily="34" charset="0"/>
+              </a:rPr>
+              <a:t>Dr.</a:t>
+            </a:r>
+            <a:r>
+              <a:rPr lang="en-GB" sz="1100" dirty="0">
+                <a:solidFill>
+                  <a:schemeClr val="bg2">
+                    <a:lumMod val="75000"/>
+                  </a:schemeClr>
+                </a:solidFill>
+                <a:latin typeface="Arial" panose="020B0604020202020204" pitchFamily="34" charset="0"/>
+              </a:rPr>
+              <a:t> U. Michelucci – </a:t>
+            </a:r>
+            <a:r>
+              <a:rPr lang="en-GB" sz="1100" dirty="0" err="1">
+                <a:solidFill>
+                  <a:schemeClr val="bg2">
+                    <a:lumMod val="75000"/>
+                  </a:schemeClr>
+                </a:solidFill>
+                <a:latin typeface="Arial" panose="020B0604020202020204" pitchFamily="34" charset="0"/>
+              </a:rPr>
+              <a:t>umberto.Michelucci@hslu.ch</a:t>
+            </a:r>
+            <a:endParaRPr lang="en-GB" sz="1100" dirty="0">
+              <a:solidFill>
+                <a:schemeClr val="bg2">
+                  <a:lumMod val="75000"/>
+                </a:schemeClr>
+              </a:solidFill>
+              <a:latin typeface="Arial" panose="020B0604020202020204" pitchFamily="34" charset="0"/>
+            </a:endParaRPr>
+          </a:p>
+        </p:txBody>
+      </p:sp>
     </p:spTree>
     <p:extLst>
       <p:ext uri="{BB962C8B-B14F-4D97-AF65-F5344CB8AC3E}">
@@ -23247,6 +26336,94 @@
               <a:rPr lang="en-CH"/>
               <a:t>cikit-learn hands-on</a:t>
             </a:r>
+          </a:p>
+        </p:txBody>
+      </p:sp>
+      <p:sp>
+        <p:nvSpPr>
+          <p:cNvPr id="3" name="TextBox 2">
+            <a:extLst>
+              <a:ext uri="{FF2B5EF4-FFF2-40B4-BE49-F238E27FC236}">
+                <a16:creationId xmlns:a16="http://schemas.microsoft.com/office/drawing/2014/main" id="{02BC05A9-C5BD-0D35-8765-DDAD13C5EC5D}"/>
+              </a:ext>
+            </a:extLst>
+          </p:cNvPr>
+          <p:cNvSpPr txBox="1"/>
+          <p:nvPr/>
+        </p:nvSpPr>
+        <p:spPr>
+          <a:xfrm>
+            <a:off x="157942" y="4881890"/>
+            <a:ext cx="8695112" cy="261610"/>
+          </a:xfrm>
+          <a:prstGeom prst="rect">
+            <a:avLst/>
+          </a:prstGeom>
+          <a:noFill/>
+        </p:spPr>
+        <p:txBody>
+          <a:bodyPr wrap="square">
+            <a:spAutoFit/>
+          </a:bodyPr>
+          <a:lstStyle/>
+          <a:p>
+            <a:pPr algn="ctr">
+              <a:spcBef>
+                <a:spcPts val="0"/>
+              </a:spcBef>
+            </a:pPr>
+            <a:r>
+              <a:rPr lang="en-GB" sz="1100" dirty="0">
+                <a:solidFill>
+                  <a:schemeClr val="bg2">
+                    <a:lumMod val="75000"/>
+                  </a:schemeClr>
+                </a:solidFill>
+                <a:latin typeface="Arial" panose="020B0604020202020204" pitchFamily="34" charset="0"/>
+              </a:rPr>
+              <a:t>© </a:t>
+            </a:r>
+            <a:r>
+              <a:rPr lang="en-GB" sz="1100" dirty="0" err="1">
+                <a:solidFill>
+                  <a:schemeClr val="bg2">
+                    <a:lumMod val="75000"/>
+                  </a:schemeClr>
+                </a:solidFill>
+                <a:latin typeface="Arial" panose="020B0604020202020204" pitchFamily="34" charset="0"/>
+              </a:rPr>
+              <a:t>Dr.</a:t>
+            </a:r>
+            <a:r>
+              <a:rPr lang="en-GB" sz="1100" dirty="0">
+                <a:solidFill>
+                  <a:schemeClr val="bg2">
+                    <a:lumMod val="75000"/>
+                  </a:schemeClr>
+                </a:solidFill>
+                <a:latin typeface="Arial" panose="020B0604020202020204" pitchFamily="34" charset="0"/>
+              </a:rPr>
+              <a:t> U. Michelucci – </a:t>
+            </a:r>
+            <a:r>
+              <a:rPr lang="en-GB" sz="1100" dirty="0" err="1">
+                <a:solidFill>
+                  <a:schemeClr val="bg2">
+                    <a:lumMod val="75000"/>
+                  </a:schemeClr>
+                </a:solidFill>
+                <a:latin typeface="Arial" panose="020B0604020202020204" pitchFamily="34" charset="0"/>
+              </a:rPr>
+              <a:t>umberto.Michelucci@hslu.ch</a:t>
+            </a:r>
+            <a:endParaRPr lang="en-GB" sz="1100" dirty="0">
+              <a:solidFill>
+                <a:schemeClr val="bg2">
+                  <a:lumMod val="75000"/>
+                </a:schemeClr>
+              </a:solidFill>
+              <a:latin typeface="Arial" panose="020B0604020202020204" pitchFamily="34" charset="0"/>
+            </a:endParaRPr>
           </a:p>
         </p:txBody>
       </p:sp>
@@ -23358,6 +26535,94 @@
           </a:p>
         </p:txBody>
       </p:sp>
+      <p:sp>
+        <p:nvSpPr>
+          <p:cNvPr id="4" name="TextBox 3">
+            <a:extLst>
+              <a:ext uri="{FF2B5EF4-FFF2-40B4-BE49-F238E27FC236}">
+                <a16:creationId xmlns:a16="http://schemas.microsoft.com/office/drawing/2014/main" id="{241BF719-0518-6D30-F061-6D2F109BD64A}"/>
+              </a:ext>
+            </a:extLst>
+          </p:cNvPr>
+          <p:cNvSpPr txBox="1"/>
+          <p:nvPr/>
+        </p:nvSpPr>
+        <p:spPr>
+          <a:xfrm>
+            <a:off x="157942" y="4881890"/>
+            <a:ext cx="8695112" cy="261610"/>
+          </a:xfrm>
+          <a:prstGeom prst="rect">
+            <a:avLst/>
+          </a:prstGeom>
+          <a:noFill/>
+        </p:spPr>
+        <p:txBody>
+          <a:bodyPr wrap="square">
+            <a:spAutoFit/>
+          </a:bodyPr>
+          <a:lstStyle/>
+          <a:p>
+            <a:pPr algn="ctr">
+              <a:spcBef>
+                <a:spcPts val="0"/>
+              </a:spcBef>
+            </a:pPr>
+            <a:r>
+              <a:rPr lang="en-GB" sz="1100" dirty="0">
+                <a:solidFill>
+                  <a:schemeClr val="bg2">
+                    <a:lumMod val="75000"/>
+                  </a:schemeClr>
+                </a:solidFill>
+                <a:latin typeface="Arial" panose="020B0604020202020204" pitchFamily="34" charset="0"/>
+              </a:rPr>
+              <a:t>© </a:t>
+            </a:r>
+            <a:r>
+              <a:rPr lang="en-GB" sz="1100" dirty="0" err="1">
+                <a:solidFill>
+                  <a:schemeClr val="bg2">
+                    <a:lumMod val="75000"/>
+                  </a:schemeClr>
+                </a:solidFill>
+                <a:latin typeface="Arial" panose="020B0604020202020204" pitchFamily="34" charset="0"/>
+              </a:rPr>
+              <a:t>Dr.</a:t>
+            </a:r>
+            <a:r>
+              <a:rPr lang="en-GB" sz="1100" dirty="0">
+                <a:solidFill>
+                  <a:schemeClr val="bg2">
+                    <a:lumMod val="75000"/>
+                  </a:schemeClr>
+                </a:solidFill>
+                <a:latin typeface="Arial" panose="020B0604020202020204" pitchFamily="34" charset="0"/>
+              </a:rPr>
+              <a:t> U. Michelucci – </a:t>
+            </a:r>
+            <a:r>
+              <a:rPr lang="en-GB" sz="1100" dirty="0" err="1">
+                <a:solidFill>
+                  <a:schemeClr val="bg2">
+                    <a:lumMod val="75000"/>
+                  </a:schemeClr>
+                </a:solidFill>
+                <a:latin typeface="Arial" panose="020B0604020202020204" pitchFamily="34" charset="0"/>
+              </a:rPr>
+              <a:t>umberto.Michelucci@hslu.ch</a:t>
+            </a:r>
+            <a:endParaRPr lang="en-GB" sz="1100" dirty="0">
+              <a:solidFill>
+                <a:schemeClr val="bg2">
+                  <a:lumMod val="75000"/>
+                </a:schemeClr>
+              </a:solidFill>
+              <a:latin typeface="Arial" panose="020B0604020202020204" pitchFamily="34" charset="0"/>
+            </a:endParaRPr>
+          </a:p>
+        </p:txBody>
+      </p:sp>
     </p:spTree>
     <p:extLst>
       <p:ext uri="{BB962C8B-B14F-4D97-AF65-F5344CB8AC3E}">
@@ -23464,6 +26729,94 @@
               <a:t>Over-engineering is always a bad idea. Your code must be as simple as possible and as complex as necessary  it is easy to loos control of what your code does. </a:t>
             </a:r>
             <a:endParaRPr lang="en-CH"/>
+          </a:p>
+        </p:txBody>
+      </p:sp>
+      <p:sp>
+        <p:nvSpPr>
+          <p:cNvPr id="4" name="TextBox 3">
+            <a:extLst>
+              <a:ext uri="{FF2B5EF4-FFF2-40B4-BE49-F238E27FC236}">
+                <a16:creationId xmlns:a16="http://schemas.microsoft.com/office/drawing/2014/main" id="{984EFD1F-F48C-C29A-A404-1E159079A81F}"/>
+              </a:ext>
+            </a:extLst>
+          </p:cNvPr>
+          <p:cNvSpPr txBox="1"/>
+          <p:nvPr/>
+        </p:nvSpPr>
+        <p:spPr>
+          <a:xfrm>
+            <a:off x="157942" y="4881890"/>
+            <a:ext cx="8695112" cy="261610"/>
+          </a:xfrm>
+          <a:prstGeom prst="rect">
+            <a:avLst/>
+          </a:prstGeom>
+          <a:noFill/>
+        </p:spPr>
+        <p:txBody>
+          <a:bodyPr wrap="square">
+            <a:spAutoFit/>
+          </a:bodyPr>
+          <a:lstStyle/>
+          <a:p>
+            <a:pPr algn="ctr">
+              <a:spcBef>
+                <a:spcPts val="0"/>
+              </a:spcBef>
+            </a:pPr>
+            <a:r>
+              <a:rPr lang="en-GB" sz="1100" dirty="0">
+                <a:solidFill>
+                  <a:schemeClr val="bg2">
+                    <a:lumMod val="75000"/>
+                  </a:schemeClr>
+                </a:solidFill>
+                <a:latin typeface="Arial" panose="020B0604020202020204" pitchFamily="34" charset="0"/>
+              </a:rPr>
+              <a:t>© </a:t>
+            </a:r>
+            <a:r>
+              <a:rPr lang="en-GB" sz="1100" dirty="0" err="1">
+                <a:solidFill>
+                  <a:schemeClr val="bg2">
+                    <a:lumMod val="75000"/>
+                  </a:schemeClr>
+                </a:solidFill>
+                <a:latin typeface="Arial" panose="020B0604020202020204" pitchFamily="34" charset="0"/>
+              </a:rPr>
+              <a:t>Dr.</a:t>
+            </a:r>
+            <a:r>
+              <a:rPr lang="en-GB" sz="1100" dirty="0">
+                <a:solidFill>
+                  <a:schemeClr val="bg2">
+                    <a:lumMod val="75000"/>
+                  </a:schemeClr>
+                </a:solidFill>
+                <a:latin typeface="Arial" panose="020B0604020202020204" pitchFamily="34" charset="0"/>
+              </a:rPr>
+              <a:t> U. Michelucci – </a:t>
+            </a:r>
+            <a:r>
+              <a:rPr lang="en-GB" sz="1100" dirty="0" err="1">
+                <a:solidFill>
+                  <a:schemeClr val="bg2">
+                    <a:lumMod val="75000"/>
+                  </a:schemeClr>
+                </a:solidFill>
+                <a:latin typeface="Arial" panose="020B0604020202020204" pitchFamily="34" charset="0"/>
+              </a:rPr>
+              <a:t>umberto.Michelucci@hslu.ch</a:t>
+            </a:r>
+            <a:endParaRPr lang="en-GB" sz="1100" dirty="0">
+              <a:solidFill>
+                <a:schemeClr val="bg2">
+                  <a:lumMod val="75000"/>
+                </a:schemeClr>
+              </a:solidFill>
+              <a:latin typeface="Arial" panose="020B0604020202020204" pitchFamily="34" charset="0"/>
+            </a:endParaRPr>
           </a:p>
         </p:txBody>
       </p:sp>
@@ -23566,6 +26919,94 @@
           </a:p>
         </p:txBody>
       </p:sp>
+      <p:sp>
+        <p:nvSpPr>
+          <p:cNvPr id="4" name="TextBox 3">
+            <a:extLst>
+              <a:ext uri="{FF2B5EF4-FFF2-40B4-BE49-F238E27FC236}">
+                <a16:creationId xmlns:a16="http://schemas.microsoft.com/office/drawing/2014/main" id="{2A3E3C97-EDFB-FA4C-3A44-898A76C1CBE6}"/>
+              </a:ext>
+            </a:extLst>
+          </p:cNvPr>
+          <p:cNvSpPr txBox="1"/>
+          <p:nvPr/>
+        </p:nvSpPr>
+        <p:spPr>
+          <a:xfrm>
+            <a:off x="157942" y="4881890"/>
+            <a:ext cx="8695112" cy="261610"/>
+          </a:xfrm>
+          <a:prstGeom prst="rect">
+            <a:avLst/>
+          </a:prstGeom>
+          <a:noFill/>
+        </p:spPr>
+        <p:txBody>
+          <a:bodyPr wrap="square">
+            <a:spAutoFit/>
+          </a:bodyPr>
+          <a:lstStyle/>
+          <a:p>
+            <a:pPr algn="ctr">
+              <a:spcBef>
+                <a:spcPts val="0"/>
+              </a:spcBef>
+            </a:pPr>
+            <a:r>
+              <a:rPr lang="en-GB" sz="1100" dirty="0">
+                <a:solidFill>
+                  <a:schemeClr val="bg2">
+                    <a:lumMod val="75000"/>
+                  </a:schemeClr>
+                </a:solidFill>
+                <a:latin typeface="Arial" panose="020B0604020202020204" pitchFamily="34" charset="0"/>
+              </a:rPr>
+              <a:t>© </a:t>
+            </a:r>
+            <a:r>
+              <a:rPr lang="en-GB" sz="1100" dirty="0" err="1">
+                <a:solidFill>
+                  <a:schemeClr val="bg2">
+                    <a:lumMod val="75000"/>
+                  </a:schemeClr>
+                </a:solidFill>
+                <a:latin typeface="Arial" panose="020B0604020202020204" pitchFamily="34" charset="0"/>
+              </a:rPr>
+              <a:t>Dr.</a:t>
+            </a:r>
+            <a:r>
+              <a:rPr lang="en-GB" sz="1100" dirty="0">
+                <a:solidFill>
+                  <a:schemeClr val="bg2">
+                    <a:lumMod val="75000"/>
+                  </a:schemeClr>
+                </a:solidFill>
+                <a:latin typeface="Arial" panose="020B0604020202020204" pitchFamily="34" charset="0"/>
+              </a:rPr>
+              <a:t> U. Michelucci – </a:t>
+            </a:r>
+            <a:r>
+              <a:rPr lang="en-GB" sz="1100" dirty="0" err="1">
+                <a:solidFill>
+                  <a:schemeClr val="bg2">
+                    <a:lumMod val="75000"/>
+                  </a:schemeClr>
+                </a:solidFill>
+                <a:latin typeface="Arial" panose="020B0604020202020204" pitchFamily="34" charset="0"/>
+              </a:rPr>
+              <a:t>umberto.Michelucci@hslu.ch</a:t>
+            </a:r>
+            <a:endParaRPr lang="en-GB" sz="1100" dirty="0">
+              <a:solidFill>
+                <a:schemeClr val="bg2">
+                  <a:lumMod val="75000"/>
+                </a:schemeClr>
+              </a:solidFill>
+              <a:latin typeface="Arial" panose="020B0604020202020204" pitchFamily="34" charset="0"/>
+            </a:endParaRPr>
+          </a:p>
+        </p:txBody>
+      </p:sp>
     </p:spTree>
     <p:extLst>
       <p:ext uri="{BB962C8B-B14F-4D97-AF65-F5344CB8AC3E}">
@@ -23699,7 +27140,7 @@
         </p:nvSpPr>
         <p:spPr>
           <a:xfrm>
-            <a:off x="317376" y="4802178"/>
+            <a:off x="317376" y="4536171"/>
             <a:ext cx="8509247" cy="276999"/>
           </a:xfrm>
           <a:prstGeom prst="rect">
@@ -23714,15 +27155,103 @@
           <a:lstStyle/>
           <a:p>
             <a:r>
-              <a:rPr lang="en-GB" sz="1200">
+              <a:rPr lang="en-GB" sz="1200" dirty="0">
                 <a:latin typeface="Arial" panose="020B0604020202020204" pitchFamily="34" charset="0"/>
                 <a:cs typeface="Arial" panose="020B0604020202020204" pitchFamily="34" charset="0"/>
               </a:rPr>
               <a:t>National Academies of Sciences, Engineering, and Medicine. "Reproducibility and replicability in science." (2019).</a:t>
             </a:r>
-            <a:endParaRPr lang="en-CH" sz="1200">
+            <a:endParaRPr lang="en-CH" sz="1200" dirty="0">
               <a:latin typeface="Arial" panose="020B0604020202020204" pitchFamily="34" charset="0"/>
               <a:cs typeface="Arial" panose="020B0604020202020204" pitchFamily="34" charset="0"/>
+            </a:endParaRPr>
+          </a:p>
+        </p:txBody>
+      </p:sp>
+      <p:sp>
+        <p:nvSpPr>
+          <p:cNvPr id="4" name="TextBox 3">
+            <a:extLst>
+              <a:ext uri="{FF2B5EF4-FFF2-40B4-BE49-F238E27FC236}">
+                <a16:creationId xmlns:a16="http://schemas.microsoft.com/office/drawing/2014/main" id="{37ADE614-0F85-D3C4-DAE0-3EB76658B030}"/>
+              </a:ext>
+            </a:extLst>
+          </p:cNvPr>
+          <p:cNvSpPr txBox="1"/>
+          <p:nvPr/>
+        </p:nvSpPr>
+        <p:spPr>
+          <a:xfrm>
+            <a:off x="157942" y="4881890"/>
+            <a:ext cx="8695112" cy="261610"/>
+          </a:xfrm>
+          <a:prstGeom prst="rect">
+            <a:avLst/>
+          </a:prstGeom>
+          <a:noFill/>
+        </p:spPr>
+        <p:txBody>
+          <a:bodyPr wrap="square">
+            <a:spAutoFit/>
+          </a:bodyPr>
+          <a:lstStyle/>
+          <a:p>
+            <a:pPr algn="ctr">
+              <a:spcBef>
+                <a:spcPts val="0"/>
+              </a:spcBef>
+            </a:pPr>
+            <a:r>
+              <a:rPr lang="en-GB" sz="1100" dirty="0">
+                <a:solidFill>
+                  <a:schemeClr val="bg2">
+                    <a:lumMod val="75000"/>
+                  </a:schemeClr>
+                </a:solidFill>
+                <a:latin typeface="Arial" panose="020B0604020202020204" pitchFamily="34" charset="0"/>
+              </a:rPr>
+              <a:t>© </a:t>
+            </a:r>
+            <a:r>
+              <a:rPr lang="en-GB" sz="1100" dirty="0" err="1">
+                <a:solidFill>
+                  <a:schemeClr val="bg2">
+                    <a:lumMod val="75000"/>
+                  </a:schemeClr>
+                </a:solidFill>
+                <a:latin typeface="Arial" panose="020B0604020202020204" pitchFamily="34" charset="0"/>
+              </a:rPr>
+              <a:t>Dr.</a:t>
+            </a:r>
+            <a:r>
+              <a:rPr lang="en-GB" sz="1100" dirty="0">
+                <a:solidFill>
+                  <a:schemeClr val="bg2">
+                    <a:lumMod val="75000"/>
+                  </a:schemeClr>
+                </a:solidFill>
+                <a:latin typeface="Arial" panose="020B0604020202020204" pitchFamily="34" charset="0"/>
+              </a:rPr>
+              <a:t> U. Michelucci – </a:t>
+            </a:r>
+            <a:r>
+              <a:rPr lang="en-GB" sz="1100" dirty="0" err="1">
+                <a:solidFill>
+                  <a:schemeClr val="bg2">
+                    <a:lumMod val="75000"/>
+                  </a:schemeClr>
+                </a:solidFill>
+                <a:latin typeface="Arial" panose="020B0604020202020204" pitchFamily="34" charset="0"/>
+              </a:rPr>
+              <a:t>umberto.Michelucci@hslu.ch</a:t>
+            </a:r>
+            <a:endParaRPr lang="en-GB" sz="1100" dirty="0">
+              <a:solidFill>
+                <a:schemeClr val="bg2">
+                  <a:lumMod val="75000"/>
+                </a:schemeClr>
+              </a:solidFill>
+              <a:latin typeface="Arial" panose="020B0604020202020204" pitchFamily="34" charset="0"/>
             </a:endParaRPr>
           </a:p>
         </p:txBody>
@@ -23878,6 +27407,94 @@
           </a:p>
         </p:txBody>
       </p:sp>
+      <p:sp>
+        <p:nvSpPr>
+          <p:cNvPr id="4" name="TextBox 3">
+            <a:extLst>
+              <a:ext uri="{FF2B5EF4-FFF2-40B4-BE49-F238E27FC236}">
+                <a16:creationId xmlns:a16="http://schemas.microsoft.com/office/drawing/2014/main" id="{EAC3D4BB-3A93-49DE-17AA-960D45DD5F96}"/>
+              </a:ext>
+            </a:extLst>
+          </p:cNvPr>
+          <p:cNvSpPr txBox="1"/>
+          <p:nvPr/>
+        </p:nvSpPr>
+        <p:spPr>
+          <a:xfrm>
+            <a:off x="157942" y="4881890"/>
+            <a:ext cx="8695112" cy="261610"/>
+          </a:xfrm>
+          <a:prstGeom prst="rect">
+            <a:avLst/>
+          </a:prstGeom>
+          <a:noFill/>
+        </p:spPr>
+        <p:txBody>
+          <a:bodyPr wrap="square">
+            <a:spAutoFit/>
+          </a:bodyPr>
+          <a:lstStyle/>
+          <a:p>
+            <a:pPr algn="ctr">
+              <a:spcBef>
+                <a:spcPts val="0"/>
+              </a:spcBef>
+            </a:pPr>
+            <a:r>
+              <a:rPr lang="en-GB" sz="1100" dirty="0">
+                <a:solidFill>
+                  <a:schemeClr val="bg2">
+                    <a:lumMod val="75000"/>
+                  </a:schemeClr>
+                </a:solidFill>
+                <a:latin typeface="Arial" panose="020B0604020202020204" pitchFamily="34" charset="0"/>
+              </a:rPr>
+              <a:t>© </a:t>
+            </a:r>
+            <a:r>
+              <a:rPr lang="en-GB" sz="1100" dirty="0" err="1">
+                <a:solidFill>
+                  <a:schemeClr val="bg2">
+                    <a:lumMod val="75000"/>
+                  </a:schemeClr>
+                </a:solidFill>
+                <a:latin typeface="Arial" panose="020B0604020202020204" pitchFamily="34" charset="0"/>
+              </a:rPr>
+              <a:t>Dr.</a:t>
+            </a:r>
+            <a:r>
+              <a:rPr lang="en-GB" sz="1100" dirty="0">
+                <a:solidFill>
+                  <a:schemeClr val="bg2">
+                    <a:lumMod val="75000"/>
+                  </a:schemeClr>
+                </a:solidFill>
+                <a:latin typeface="Arial" panose="020B0604020202020204" pitchFamily="34" charset="0"/>
+              </a:rPr>
+              <a:t> U. Michelucci – </a:t>
+            </a:r>
+            <a:r>
+              <a:rPr lang="en-GB" sz="1100" dirty="0" err="1">
+                <a:solidFill>
+                  <a:schemeClr val="bg2">
+                    <a:lumMod val="75000"/>
+                  </a:schemeClr>
+                </a:solidFill>
+                <a:latin typeface="Arial" panose="020B0604020202020204" pitchFamily="34" charset="0"/>
+              </a:rPr>
+              <a:t>umberto.Michelucci@hslu.ch</a:t>
+            </a:r>
+            <a:endParaRPr lang="en-GB" sz="1100" dirty="0">
+              <a:solidFill>
+                <a:schemeClr val="bg2">
+                  <a:lumMod val="75000"/>
+                </a:schemeClr>
+              </a:solidFill>
+              <a:latin typeface="Arial" panose="020B0604020202020204" pitchFamily="34" charset="0"/>
+            </a:endParaRPr>
+          </a:p>
+        </p:txBody>
+      </p:sp>
     </p:spTree>
     <p:extLst>
       <p:ext uri="{BB962C8B-B14F-4D97-AF65-F5344CB8AC3E}">
@@ -24006,6 +27623,94 @@
               <a:rPr lang="en-CH" sz="2400"/>
               <a:t>All the steps must be clear and understandable. Another researcher must be able to re-implement (or understand) everything you did (every single step) from scratch.</a:t>
             </a:r>
+          </a:p>
+        </p:txBody>
+      </p:sp>
+      <p:sp>
+        <p:nvSpPr>
+          <p:cNvPr id="4" name="TextBox 3">
+            <a:extLst>
+              <a:ext uri="{FF2B5EF4-FFF2-40B4-BE49-F238E27FC236}">
+                <a16:creationId xmlns:a16="http://schemas.microsoft.com/office/drawing/2014/main" id="{851B3116-2D40-9EBE-4547-56CBD9F5CB1D}"/>
+              </a:ext>
+            </a:extLst>
+          </p:cNvPr>
+          <p:cNvSpPr txBox="1"/>
+          <p:nvPr/>
+        </p:nvSpPr>
+        <p:spPr>
+          <a:xfrm>
+            <a:off x="157942" y="4890203"/>
+            <a:ext cx="8695112" cy="261610"/>
+          </a:xfrm>
+          <a:prstGeom prst="rect">
+            <a:avLst/>
+          </a:prstGeom>
+          <a:noFill/>
+        </p:spPr>
+        <p:txBody>
+          <a:bodyPr wrap="square">
+            <a:spAutoFit/>
+          </a:bodyPr>
+          <a:lstStyle/>
+          <a:p>
+            <a:pPr algn="ctr">
+              <a:spcBef>
+                <a:spcPts val="0"/>
+              </a:spcBef>
+            </a:pPr>
+            <a:r>
+              <a:rPr lang="en-GB" sz="1100" dirty="0">
+                <a:solidFill>
+                  <a:schemeClr val="bg2">
+                    <a:lumMod val="75000"/>
+                  </a:schemeClr>
+                </a:solidFill>
+                <a:latin typeface="Arial" panose="020B0604020202020204" pitchFamily="34" charset="0"/>
+              </a:rPr>
+              <a:t>© </a:t>
+            </a:r>
+            <a:r>
+              <a:rPr lang="en-GB" sz="1100" dirty="0" err="1">
+                <a:solidFill>
+                  <a:schemeClr val="bg2">
+                    <a:lumMod val="75000"/>
+                  </a:schemeClr>
+                </a:solidFill>
+                <a:latin typeface="Arial" panose="020B0604020202020204" pitchFamily="34" charset="0"/>
+              </a:rPr>
+              <a:t>Dr.</a:t>
+            </a:r>
+            <a:r>
+              <a:rPr lang="en-GB" sz="1100" dirty="0">
+                <a:solidFill>
+                  <a:schemeClr val="bg2">
+                    <a:lumMod val="75000"/>
+                  </a:schemeClr>
+                </a:solidFill>
+                <a:latin typeface="Arial" panose="020B0604020202020204" pitchFamily="34" charset="0"/>
+              </a:rPr>
+              <a:t> U. Michelucci – </a:t>
+            </a:r>
+            <a:r>
+              <a:rPr lang="en-GB" sz="1100" dirty="0" err="1">
+                <a:solidFill>
+                  <a:schemeClr val="bg2">
+                    <a:lumMod val="75000"/>
+                  </a:schemeClr>
+                </a:solidFill>
+                <a:latin typeface="Arial" panose="020B0604020202020204" pitchFamily="34" charset="0"/>
+              </a:rPr>
+              <a:t>umberto.Michelucci@hslu.ch</a:t>
+            </a:r>
+            <a:endParaRPr lang="en-GB" sz="1100" dirty="0">
+              <a:solidFill>
+                <a:schemeClr val="bg2">
+                  <a:lumMod val="75000"/>
+                </a:schemeClr>
+              </a:solidFill>
+              <a:latin typeface="Arial" panose="020B0604020202020204" pitchFamily="34" charset="0"/>
+            </a:endParaRPr>
           </a:p>
         </p:txBody>
       </p:sp>
@@ -24139,6 +27844,94 @@
               <a:rPr lang="en-CH"/>
               <a:t>tc.</a:t>
             </a:r>
+          </a:p>
+        </p:txBody>
+      </p:sp>
+      <p:sp>
+        <p:nvSpPr>
+          <p:cNvPr id="4" name="TextBox 3">
+            <a:extLst>
+              <a:ext uri="{FF2B5EF4-FFF2-40B4-BE49-F238E27FC236}">
+                <a16:creationId xmlns:a16="http://schemas.microsoft.com/office/drawing/2014/main" id="{CF6BB3E8-5763-E01F-17A8-2B9ADFF289A8}"/>
+              </a:ext>
+            </a:extLst>
+          </p:cNvPr>
+          <p:cNvSpPr txBox="1"/>
+          <p:nvPr/>
+        </p:nvSpPr>
+        <p:spPr>
+          <a:xfrm>
+            <a:off x="157942" y="4881890"/>
+            <a:ext cx="8695112" cy="261610"/>
+          </a:xfrm>
+          <a:prstGeom prst="rect">
+            <a:avLst/>
+          </a:prstGeom>
+          <a:noFill/>
+        </p:spPr>
+        <p:txBody>
+          <a:bodyPr wrap="square">
+            <a:spAutoFit/>
+          </a:bodyPr>
+          <a:lstStyle/>
+          <a:p>
+            <a:pPr algn="ctr">
+              <a:spcBef>
+                <a:spcPts val="0"/>
+              </a:spcBef>
+            </a:pPr>
+            <a:r>
+              <a:rPr lang="en-GB" sz="1100" dirty="0">
+                <a:solidFill>
+                  <a:schemeClr val="bg2">
+                    <a:lumMod val="75000"/>
+                  </a:schemeClr>
+                </a:solidFill>
+                <a:latin typeface="Arial" panose="020B0604020202020204" pitchFamily="34" charset="0"/>
+              </a:rPr>
+              <a:t>© </a:t>
+            </a:r>
+            <a:r>
+              <a:rPr lang="en-GB" sz="1100" dirty="0" err="1">
+                <a:solidFill>
+                  <a:schemeClr val="bg2">
+                    <a:lumMod val="75000"/>
+                  </a:schemeClr>
+                </a:solidFill>
+                <a:latin typeface="Arial" panose="020B0604020202020204" pitchFamily="34" charset="0"/>
+              </a:rPr>
+              <a:t>Dr.</a:t>
+            </a:r>
+            <a:r>
+              <a:rPr lang="en-GB" sz="1100" dirty="0">
+                <a:solidFill>
+                  <a:schemeClr val="bg2">
+                    <a:lumMod val="75000"/>
+                  </a:schemeClr>
+                </a:solidFill>
+                <a:latin typeface="Arial" panose="020B0604020202020204" pitchFamily="34" charset="0"/>
+              </a:rPr>
+              <a:t> U. Michelucci – </a:t>
+            </a:r>
+            <a:r>
+              <a:rPr lang="en-GB" sz="1100" dirty="0" err="1">
+                <a:solidFill>
+                  <a:schemeClr val="bg2">
+                    <a:lumMod val="75000"/>
+                  </a:schemeClr>
+                </a:solidFill>
+                <a:latin typeface="Arial" panose="020B0604020202020204" pitchFamily="34" charset="0"/>
+              </a:rPr>
+              <a:t>umberto.Michelucci@hslu.ch</a:t>
+            </a:r>
+            <a:endParaRPr lang="en-GB" sz="1100" dirty="0">
+              <a:solidFill>
+                <a:schemeClr val="bg2">
+                  <a:lumMod val="75000"/>
+                </a:schemeClr>
+              </a:solidFill>
+              <a:latin typeface="Arial" panose="020B0604020202020204" pitchFamily="34" charset="0"/>
+            </a:endParaRPr>
           </a:p>
         </p:txBody>
       </p:sp>
@@ -24666,6 +28459,94 @@
           </a:extLst>
         </p:spPr>
       </p:pic>
+      <p:sp>
+        <p:nvSpPr>
+          <p:cNvPr id="6" name="TextBox 5">
+            <a:extLst>
+              <a:ext uri="{FF2B5EF4-FFF2-40B4-BE49-F238E27FC236}">
+                <a16:creationId xmlns:a16="http://schemas.microsoft.com/office/drawing/2014/main" id="{B6839366-A4BF-0A9E-87D7-2637CD407921}"/>
+              </a:ext>
+            </a:extLst>
+          </p:cNvPr>
+          <p:cNvSpPr txBox="1"/>
+          <p:nvPr/>
+        </p:nvSpPr>
+        <p:spPr>
+          <a:xfrm>
+            <a:off x="157942" y="4881890"/>
+            <a:ext cx="8695112" cy="261610"/>
+          </a:xfrm>
+          <a:prstGeom prst="rect">
+            <a:avLst/>
+          </a:prstGeom>
+          <a:noFill/>
+        </p:spPr>
+        <p:txBody>
+          <a:bodyPr wrap="square">
+            <a:spAutoFit/>
+          </a:bodyPr>
+          <a:lstStyle/>
+          <a:p>
+            <a:pPr algn="ctr">
+              <a:spcBef>
+                <a:spcPts val="0"/>
+              </a:spcBef>
+            </a:pPr>
+            <a:r>
+              <a:rPr lang="en-GB" sz="1100" dirty="0">
+                <a:solidFill>
+                  <a:schemeClr val="bg2">
+                    <a:lumMod val="75000"/>
+                  </a:schemeClr>
+                </a:solidFill>
+                <a:latin typeface="Arial" panose="020B0604020202020204" pitchFamily="34" charset="0"/>
+              </a:rPr>
+              <a:t>© </a:t>
+            </a:r>
+            <a:r>
+              <a:rPr lang="en-GB" sz="1100" dirty="0" err="1">
+                <a:solidFill>
+                  <a:schemeClr val="bg2">
+                    <a:lumMod val="75000"/>
+                  </a:schemeClr>
+                </a:solidFill>
+                <a:latin typeface="Arial" panose="020B0604020202020204" pitchFamily="34" charset="0"/>
+              </a:rPr>
+              <a:t>Dr.</a:t>
+            </a:r>
+            <a:r>
+              <a:rPr lang="en-GB" sz="1100" dirty="0">
+                <a:solidFill>
+                  <a:schemeClr val="bg2">
+                    <a:lumMod val="75000"/>
+                  </a:schemeClr>
+                </a:solidFill>
+                <a:latin typeface="Arial" panose="020B0604020202020204" pitchFamily="34" charset="0"/>
+              </a:rPr>
+              <a:t> U. Michelucci – </a:t>
+            </a:r>
+            <a:r>
+              <a:rPr lang="en-GB" sz="1100" dirty="0" err="1">
+                <a:solidFill>
+                  <a:schemeClr val="bg2">
+                    <a:lumMod val="75000"/>
+                  </a:schemeClr>
+                </a:solidFill>
+                <a:latin typeface="Arial" panose="020B0604020202020204" pitchFamily="34" charset="0"/>
+              </a:rPr>
+              <a:t>umberto.Michelucci@hslu.ch</a:t>
+            </a:r>
+            <a:endParaRPr lang="en-GB" sz="1100" dirty="0">
+              <a:solidFill>
+                <a:schemeClr val="bg2">
+                  <a:lumMod val="75000"/>
+                </a:schemeClr>
+              </a:solidFill>
+              <a:latin typeface="Arial" panose="020B0604020202020204" pitchFamily="34" charset="0"/>
+            </a:endParaRPr>
+          </a:p>
+        </p:txBody>
+      </p:sp>
     </p:spTree>
     <p:extLst>
       <p:ext uri="{BB962C8B-B14F-4D97-AF65-F5344CB8AC3E}">
